--- a/青年聖歌I/(青年聖歌I171)信靠耶穌真是甜美.pptx
+++ b/青年聖歌I/(青年聖歌I171)信靠耶穌真是甜美.pptx
@@ -11,6 +11,13 @@
     <p:sldId id="259" r:id="rId5"/>
     <p:sldId id="260" r:id="rId6"/>
     <p:sldId id="261" r:id="rId7"/>
+    <p:sldId id="262" r:id="rId8"/>
+    <p:sldId id="263" r:id="rId9"/>
+    <p:sldId id="264" r:id="rId10"/>
+    <p:sldId id="265" r:id="rId11"/>
+    <p:sldId id="266" r:id="rId12"/>
+    <p:sldId id="267" r:id="rId13"/>
+    <p:sldId id="268" r:id="rId14"/>
   </p:sldIdLst>
   <p:sldSz cx="9144000" cy="5143500" type="screen16x9"/>
   <p:notesSz cx="6858000" cy="9144000"/>
@@ -109,6 +116,22 @@
       </a:defRPr>
     </a:lvl9pPr>
   </p:defaultTextStyle>
+  <p:extLst>
+    <p:ext uri="{EFAFB233-063F-42B5-8137-9DF3F51BA10A}">
+      <p15:sldGuideLst xmlns:p15="http://schemas.microsoft.com/office/powerpoint/2012/main">
+        <p15:guide id="1" orient="horz" pos="1620">
+          <p15:clr>
+            <a:srgbClr val="A4A3A4"/>
+          </p15:clr>
+        </p15:guide>
+        <p15:guide id="2" pos="2880">
+          <p15:clr>
+            <a:srgbClr val="A4A3A4"/>
+          </p15:clr>
+        </p15:guide>
+      </p15:sldGuideLst>
+    </p:ext>
+  </p:extLst>
 </p:presentation>
 </file>
 
@@ -293,7 +316,7 @@
           <a:p>
             <a:fld id="{482E8B87-87E0-48F1-A0B5-465155A2F05A}" type="datetimeFigureOut">
               <a:rPr lang="en-US" smtClean="0"/>
-              <a:t>8/31/2019</a:t>
+              <a:t>2/4/2021</a:t>
             </a:fld>
             <a:endParaRPr lang="en-US"/>
           </a:p>
@@ -458,7 +481,7 @@
           <a:p>
             <a:fld id="{482E8B87-87E0-48F1-A0B5-465155A2F05A}" type="datetimeFigureOut">
               <a:rPr lang="en-US" smtClean="0"/>
-              <a:t>8/31/2019</a:t>
+              <a:t>2/4/2021</a:t>
             </a:fld>
             <a:endParaRPr lang="en-US"/>
           </a:p>
@@ -633,7 +656,7 @@
           <a:p>
             <a:fld id="{482E8B87-87E0-48F1-A0B5-465155A2F05A}" type="datetimeFigureOut">
               <a:rPr lang="en-US" smtClean="0"/>
-              <a:t>8/31/2019</a:t>
+              <a:t>2/4/2021</a:t>
             </a:fld>
             <a:endParaRPr lang="en-US"/>
           </a:p>
@@ -798,7 +821,7 @@
           <a:p>
             <a:fld id="{482E8B87-87E0-48F1-A0B5-465155A2F05A}" type="datetimeFigureOut">
               <a:rPr lang="en-US" smtClean="0"/>
-              <a:t>8/31/2019</a:t>
+              <a:t>2/4/2021</a:t>
             </a:fld>
             <a:endParaRPr lang="en-US"/>
           </a:p>
@@ -1039,7 +1062,7 @@
           <a:p>
             <a:fld id="{482E8B87-87E0-48F1-A0B5-465155A2F05A}" type="datetimeFigureOut">
               <a:rPr lang="en-US" smtClean="0"/>
-              <a:t>8/31/2019</a:t>
+              <a:t>2/4/2021</a:t>
             </a:fld>
             <a:endParaRPr lang="en-US"/>
           </a:p>
@@ -1322,7 +1345,7 @@
           <a:p>
             <a:fld id="{482E8B87-87E0-48F1-A0B5-465155A2F05A}" type="datetimeFigureOut">
               <a:rPr lang="en-US" smtClean="0"/>
-              <a:t>8/31/2019</a:t>
+              <a:t>2/4/2021</a:t>
             </a:fld>
             <a:endParaRPr lang="en-US"/>
           </a:p>
@@ -1739,7 +1762,7 @@
           <a:p>
             <a:fld id="{482E8B87-87E0-48F1-A0B5-465155A2F05A}" type="datetimeFigureOut">
               <a:rPr lang="en-US" smtClean="0"/>
-              <a:t>8/31/2019</a:t>
+              <a:t>2/4/2021</a:t>
             </a:fld>
             <a:endParaRPr lang="en-US"/>
           </a:p>
@@ -1852,7 +1875,7 @@
           <a:p>
             <a:fld id="{482E8B87-87E0-48F1-A0B5-465155A2F05A}" type="datetimeFigureOut">
               <a:rPr lang="en-US" smtClean="0"/>
-              <a:t>8/31/2019</a:t>
+              <a:t>2/4/2021</a:t>
             </a:fld>
             <a:endParaRPr lang="en-US"/>
           </a:p>
@@ -1942,7 +1965,7 @@
           <a:p>
             <a:fld id="{482E8B87-87E0-48F1-A0B5-465155A2F05A}" type="datetimeFigureOut">
               <a:rPr lang="en-US" smtClean="0"/>
-              <a:t>8/31/2019</a:t>
+              <a:t>2/4/2021</a:t>
             </a:fld>
             <a:endParaRPr lang="en-US"/>
           </a:p>
@@ -2214,7 +2237,7 @@
           <a:p>
             <a:fld id="{482E8B87-87E0-48F1-A0B5-465155A2F05A}" type="datetimeFigureOut">
               <a:rPr lang="en-US" smtClean="0"/>
-              <a:t>8/31/2019</a:t>
+              <a:t>2/4/2021</a:t>
             </a:fld>
             <a:endParaRPr lang="en-US"/>
           </a:p>
@@ -2466,7 +2489,7 @@
           <a:p>
             <a:fld id="{482E8B87-87E0-48F1-A0B5-465155A2F05A}" type="datetimeFigureOut">
               <a:rPr lang="en-US" smtClean="0"/>
-              <a:t>8/31/2019</a:t>
+              <a:t>2/4/2021</a:t>
             </a:fld>
             <a:endParaRPr lang="en-US"/>
           </a:p>
@@ -2679,7 +2702,7 @@
           <a:p>
             <a:fld id="{482E8B87-87E0-48F1-A0B5-465155A2F05A}" type="datetimeFigureOut">
               <a:rPr lang="en-US" smtClean="0"/>
-              <a:t>8/31/2019</a:t>
+              <a:t>2/4/2021</a:t>
             </a:fld>
             <a:endParaRPr lang="en-US"/>
           </a:p>
@@ -3059,146 +3082,175 @@
             <p:ph type="title"/>
           </p:nvPr>
         </p:nvSpPr>
-        <p:spPr/>
+        <p:spPr>
+          <a:xfrm>
+            <a:off x="0" y="2143135"/>
+            <a:ext cx="9144000" cy="857250"/>
+          </a:xfrm>
+        </p:spPr>
         <p:txBody>
           <a:bodyPr>
+            <a:noAutofit/>
+          </a:bodyPr>
+          <a:lstStyle/>
+          <a:p>
+            <a:r>
+              <a:rPr lang="zh-TW" altLang="en-US" sz="5400" b="1" i="1" dirty="0" smtClean="0">
+                <a:solidFill>
+                  <a:srgbClr val="000066"/>
+                </a:solidFill>
+                <a:effectLst>
+                  <a:outerShdw blurRad="38100" dist="38100" dir="2700000" algn="tl">
+                    <a:srgbClr val="000000">
+                      <a:alpha val="43137"/>
+                    </a:srgbClr>
+                  </a:outerShdw>
+                </a:effectLst>
+                <a:latin typeface="微軟正黑體" pitchFamily="34" charset="-120"/>
+                <a:ea typeface="微軟正黑體" pitchFamily="34" charset="-120"/>
+              </a:rPr>
+              <a:t>信</a:t>
+            </a:r>
+            <a:r>
+              <a:rPr lang="zh-TW" altLang="en-US" sz="5400" b="1" i="1" dirty="0">
+                <a:solidFill>
+                  <a:srgbClr val="000066"/>
+                </a:solidFill>
+                <a:effectLst>
+                  <a:outerShdw blurRad="38100" dist="38100" dir="2700000" algn="tl">
+                    <a:srgbClr val="000000">
+                      <a:alpha val="43137"/>
+                    </a:srgbClr>
+                  </a:outerShdw>
+                </a:effectLst>
+                <a:latin typeface="微軟正黑體" pitchFamily="34" charset="-120"/>
+                <a:ea typeface="微軟正黑體" pitchFamily="34" charset="-120"/>
+              </a:rPr>
+              <a:t>靠耶穌真是甜美</a:t>
+            </a:r>
+          </a:p>
+        </p:txBody>
+      </p:sp>
+    </p:spTree>
+    <p:extLst>
+      <p:ext uri="{BB962C8B-B14F-4D97-AF65-F5344CB8AC3E}">
+        <p14:creationId xmlns:p14="http://schemas.microsoft.com/office/powerpoint/2010/main" val="389050242"/>
+      </p:ext>
+    </p:extLst>
+  </p:cSld>
+  <p:clrMapOvr>
+    <a:masterClrMapping/>
+  </p:clrMapOvr>
+</p:sld>
+</file>
+
+<file path=ppt/slides/slide10.xml><?xml version="1.0" encoding="utf-8"?>
+<p:sld xmlns:a="http://schemas.openxmlformats.org/drawingml/2006/main" xmlns:r="http://schemas.openxmlformats.org/officeDocument/2006/relationships" xmlns:p="http://schemas.openxmlformats.org/presentationml/2006/main">
+  <p:cSld>
+    <p:spTree>
+      <p:nvGrpSpPr>
+        <p:cNvPr id="1" name=""/>
+        <p:cNvGrpSpPr/>
+        <p:nvPr/>
+      </p:nvGrpSpPr>
+      <p:grpSpPr>
+        <a:xfrm>
+          <a:off x="0" y="0"/>
+          <a:ext cx="0" cy="0"/>
+          <a:chOff x="0" y="0"/>
+          <a:chExt cx="0" cy="0"/>
+        </a:xfrm>
+      </p:grpSpPr>
+      <p:sp>
+        <p:nvSpPr>
+          <p:cNvPr id="5" name="內容版面配置區 4"/>
+          <p:cNvSpPr>
+            <a:spLocks noGrp="1"/>
+          </p:cNvSpPr>
+          <p:nvPr>
+            <p:ph idx="1"/>
+          </p:nvPr>
+        </p:nvSpPr>
+        <p:spPr>
+          <a:xfrm>
+            <a:off x="0" y="1563638"/>
+            <a:ext cx="9144000" cy="1803647"/>
+          </a:xfrm>
+        </p:spPr>
+        <p:txBody>
+          <a:bodyPr anchor="ctr">
             <a:normAutofit/>
           </a:bodyPr>
           <a:lstStyle/>
           <a:p>
-            <a:r>
-              <a:rPr lang="zh-TW" altLang="en-US" sz="4000" b="1" dirty="0">
+            <a:pPr algn="ctr">
+              <a:buNone/>
+            </a:pPr>
+            <a:r>
+              <a:rPr lang="zh-TW" altLang="en-US" sz="4800" b="1" dirty="0">
+                <a:solidFill>
+                  <a:srgbClr val="000066"/>
+                </a:solidFill>
                 <a:latin typeface="Microsoft JhengHei" pitchFamily="34" charset="-120"/>
                 <a:ea typeface="Microsoft JhengHei" pitchFamily="34" charset="-120"/>
               </a:rPr>
-              <a:t>信靠耶穌真是甜美</a:t>
-            </a:r>
-          </a:p>
-        </p:txBody>
-      </p:sp>
-      <p:sp>
-        <p:nvSpPr>
-          <p:cNvPr id="5" name="內容版面配置區 4"/>
-          <p:cNvSpPr>
-            <a:spLocks noGrp="1"/>
-          </p:cNvSpPr>
-          <p:nvPr>
-            <p:ph idx="1"/>
-          </p:nvPr>
-        </p:nvSpPr>
-        <p:spPr/>
-        <p:txBody>
-          <a:bodyPr>
-            <a:noAutofit/>
-          </a:bodyPr>
-          <a:lstStyle/>
-          <a:p>
-            <a:pPr lvl="0" algn="ctr">
-              <a:buNone/>
-            </a:pPr>
-            <a:r>
-              <a:rPr lang="zh-TW" altLang="en-US" sz="4800" b="1" dirty="0">
+              <a:t>感謝主助我信靠</a:t>
+            </a:r>
+            <a:r>
+              <a:rPr lang="zh-CN" altLang="en-US" sz="4800" b="1" dirty="0">
+                <a:solidFill>
+                  <a:srgbClr val="000066"/>
+                </a:solidFill>
                 <a:latin typeface="Microsoft JhengHei" pitchFamily="34" charset="-120"/>
                 <a:ea typeface="Microsoft JhengHei" pitchFamily="34" charset="-120"/>
               </a:rPr>
-              <a:t>信靠耶穌真是</a:t>
-            </a:r>
-            <a:r>
-              <a:rPr lang="zh-TW" altLang="en-US" sz="4800" b="1" dirty="0" smtClean="0">
+              <a:t>袮</a:t>
+            </a:r>
+            <a:endParaRPr lang="en-US" altLang="zh-TW" sz="4800" b="1" dirty="0">
+              <a:solidFill>
+                <a:srgbClr val="000066"/>
+              </a:solidFill>
+              <a:latin typeface="Microsoft JhengHei" pitchFamily="34" charset="-120"/>
+              <a:ea typeface="Microsoft JhengHei" pitchFamily="34" charset="-120"/>
+            </a:endParaRPr>
+          </a:p>
+          <a:p>
+            <a:pPr algn="ctr">
+              <a:buNone/>
+            </a:pPr>
+            <a:r>
+              <a:rPr lang="zh-CN" altLang="en-US" sz="4800" b="1" dirty="0">
+                <a:solidFill>
+                  <a:srgbClr val="000066"/>
+                </a:solidFill>
                 <a:latin typeface="Microsoft JhengHei" pitchFamily="34" charset="-120"/>
                 <a:ea typeface="Microsoft JhengHei" pitchFamily="34" charset="-120"/>
               </a:rPr>
-              <a:t>甜美</a:t>
-            </a:r>
-            <a:endParaRPr lang="en-US" altLang="zh-TW" sz="4800" b="1" dirty="0" smtClean="0">
-              <a:latin typeface="Microsoft JhengHei" pitchFamily="34" charset="-120"/>
-              <a:ea typeface="Microsoft JhengHei" pitchFamily="34" charset="-120"/>
-            </a:endParaRPr>
-          </a:p>
-          <a:p>
-            <a:pPr lvl="0" algn="ctr">
-              <a:buNone/>
-            </a:pPr>
-            <a:r>
-              <a:rPr lang="zh-TW" altLang="en-US" sz="4800" b="1" dirty="0" smtClean="0">
+              <a:t>袮</a:t>
+            </a:r>
+            <a:r>
+              <a:rPr lang="zh-TW" altLang="en-US" sz="4800" b="1" dirty="0">
+                <a:solidFill>
+                  <a:srgbClr val="000066"/>
+                </a:solidFill>
                 <a:latin typeface="Microsoft JhengHei" pitchFamily="34" charset="-120"/>
                 <a:ea typeface="Microsoft JhengHei" pitchFamily="34" charset="-120"/>
               </a:rPr>
-              <a:t>只要</a:t>
-            </a:r>
-            <a:r>
-              <a:rPr lang="zh-TW" altLang="en-US" sz="4800" b="1" dirty="0">
-                <a:latin typeface="Microsoft JhengHei" pitchFamily="34" charset="-120"/>
-                <a:ea typeface="Microsoft JhengHei" pitchFamily="34" charset="-120"/>
-              </a:rPr>
-              <a:t>信靠主恩</a:t>
-            </a:r>
-            <a:r>
-              <a:rPr lang="zh-TW" altLang="en-US" sz="4800" b="1" dirty="0" smtClean="0">
-                <a:latin typeface="Microsoft JhengHei" pitchFamily="34" charset="-120"/>
-                <a:ea typeface="Microsoft JhengHei" pitchFamily="34" charset="-120"/>
-              </a:rPr>
-              <a:t>言</a:t>
-            </a:r>
-            <a:endParaRPr lang="zh-TW" altLang="en-US" sz="4800" b="1" dirty="0">
-              <a:latin typeface="Microsoft JhengHei" pitchFamily="34" charset="-120"/>
-              <a:ea typeface="Microsoft JhengHei" pitchFamily="34" charset="-120"/>
-            </a:endParaRPr>
-          </a:p>
-          <a:p>
-            <a:pPr algn="ctr">
-              <a:buNone/>
-            </a:pPr>
-            <a:r>
-              <a:rPr lang="zh-TW" altLang="en-US" sz="4800" b="1" dirty="0">
-                <a:latin typeface="Microsoft JhengHei" pitchFamily="34" charset="-120"/>
-                <a:ea typeface="Microsoft JhengHei" pitchFamily="34" charset="-120"/>
-              </a:rPr>
-              <a:t>只要站在主應</a:t>
-            </a:r>
-            <a:r>
-              <a:rPr lang="zh-TW" altLang="en-US" sz="4800" b="1" dirty="0" smtClean="0">
-                <a:latin typeface="Microsoft JhengHei" pitchFamily="34" charset="-120"/>
-                <a:ea typeface="Microsoft JhengHei" pitchFamily="34" charset="-120"/>
-              </a:rPr>
-              <a:t>許上</a:t>
-            </a:r>
-            <a:endParaRPr lang="en-US" altLang="zh-TW" sz="4800" b="1" dirty="0" smtClean="0">
-              <a:latin typeface="Microsoft JhengHei" pitchFamily="34" charset="-120"/>
-              <a:ea typeface="Microsoft JhengHei" pitchFamily="34" charset="-120"/>
-            </a:endParaRPr>
-          </a:p>
-          <a:p>
-            <a:pPr algn="ctr">
-              <a:buNone/>
-            </a:pPr>
-            <a:r>
-              <a:rPr lang="zh-TW" altLang="en-US" sz="4800" b="1" dirty="0" smtClean="0">
-                <a:latin typeface="Microsoft JhengHei" pitchFamily="34" charset="-120"/>
-                <a:ea typeface="Microsoft JhengHei" pitchFamily="34" charset="-120"/>
-              </a:rPr>
-              <a:t>信</a:t>
-            </a:r>
-            <a:r>
-              <a:rPr lang="zh-TW" altLang="en-US" sz="4800" b="1" dirty="0">
-                <a:latin typeface="Microsoft JhengHei" pitchFamily="34" charset="-120"/>
-                <a:ea typeface="Microsoft JhengHei" pitchFamily="34" charset="-120"/>
-              </a:rPr>
-              <a:t>靠主蒙福無邊</a:t>
-            </a:r>
-          </a:p>
-        </p:txBody>
-      </p:sp>
-      <p:sp>
-        <p:nvSpPr>
-          <p:cNvPr id="2" name="TextBox 1"/>
+              <a:t>是我救主良友</a:t>
+            </a:r>
+          </a:p>
+        </p:txBody>
+      </p:sp>
+      <p:sp>
+        <p:nvSpPr>
+          <p:cNvPr id="3" name="TextBox 2"/>
           <p:cNvSpPr txBox="1"/>
           <p:nvPr/>
         </p:nvSpPr>
         <p:spPr>
           <a:xfrm>
-            <a:off x="1219200" y="1276350"/>
-            <a:ext cx="914400" cy="769441"/>
+            <a:off x="683568" y="1707654"/>
+            <a:ext cx="936104" cy="830997"/>
           </a:xfrm>
           <a:prstGeom prst="rect">
             <a:avLst/>
@@ -3212,15 +3264,17 @@
           <a:lstStyle/>
           <a:p>
             <a:r>
-              <a:rPr lang="en-US" sz="4400" b="1" dirty="0">
-                <a:latin typeface="Microsoft JhengHei" pitchFamily="34" charset="-120"/>
-                <a:ea typeface="Microsoft JhengHei" pitchFamily="34" charset="-120"/>
+              <a:rPr lang="en-US" sz="4800" b="1" dirty="0" smtClean="0">
+                <a:solidFill>
+                  <a:srgbClr val="000066"/>
+                </a:solidFill>
               </a:rPr>
-              <a:t>1.</a:t>
-            </a:r>
-            <a:endParaRPr lang="en-US" sz="4400" b="1" dirty="0">
-              <a:latin typeface="Microsoft JhengHei" pitchFamily="34" charset="-120"/>
-              <a:ea typeface="Microsoft JhengHei" pitchFamily="34" charset="-120"/>
+              <a:t>3.</a:t>
+            </a:r>
+            <a:endParaRPr lang="vi-VN" sz="4800" b="1" dirty="0">
+              <a:solidFill>
+                <a:srgbClr val="000066"/>
+              </a:solidFill>
             </a:endParaRPr>
           </a:p>
         </p:txBody>
@@ -3228,13 +3282,396 @@
     </p:spTree>
     <p:extLst>
       <p:ext uri="{BB962C8B-B14F-4D97-AF65-F5344CB8AC3E}">
-        <p14:creationId xmlns:p14="http://schemas.microsoft.com/office/powerpoint/2010/main" val="4063246703"/>
+        <p14:creationId xmlns:p14="http://schemas.microsoft.com/office/powerpoint/2010/main" val="3508295219"/>
       </p:ext>
     </p:extLst>
   </p:cSld>
   <p:clrMapOvr>
     <a:masterClrMapping/>
   </p:clrMapOvr>
+  <p:timing>
+    <p:tnLst>
+      <p:par>
+        <p:cTn id="1" dur="indefinite" restart="never" nodeType="tmRoot"/>
+      </p:par>
+    </p:tnLst>
+  </p:timing>
+</p:sld>
+</file>
+
+<file path=ppt/slides/slide11.xml><?xml version="1.0" encoding="utf-8"?>
+<p:sld xmlns:a="http://schemas.openxmlformats.org/drawingml/2006/main" xmlns:r="http://schemas.openxmlformats.org/officeDocument/2006/relationships" xmlns:p="http://schemas.openxmlformats.org/presentationml/2006/main">
+  <p:cSld>
+    <p:spTree>
+      <p:nvGrpSpPr>
+        <p:cNvPr id="1" name=""/>
+        <p:cNvGrpSpPr/>
+        <p:nvPr/>
+      </p:nvGrpSpPr>
+      <p:grpSpPr>
+        <a:xfrm>
+          <a:off x="0" y="0"/>
+          <a:ext cx="0" cy="0"/>
+          <a:chOff x="0" y="0"/>
+          <a:chExt cx="0" cy="0"/>
+        </a:xfrm>
+      </p:grpSpPr>
+      <p:sp>
+        <p:nvSpPr>
+          <p:cNvPr id="5" name="內容版面配置區 4"/>
+          <p:cNvSpPr>
+            <a:spLocks noGrp="1"/>
+          </p:cNvSpPr>
+          <p:nvPr>
+            <p:ph idx="1"/>
+          </p:nvPr>
+        </p:nvSpPr>
+        <p:spPr>
+          <a:xfrm>
+            <a:off x="0" y="1563638"/>
+            <a:ext cx="9144000" cy="1803647"/>
+          </a:xfrm>
+        </p:spPr>
+        <p:txBody>
+          <a:bodyPr anchor="ctr">
+            <a:normAutofit/>
+          </a:bodyPr>
+          <a:lstStyle/>
+          <a:p>
+            <a:pPr algn="ctr">
+              <a:buNone/>
+            </a:pPr>
+            <a:r>
+              <a:rPr lang="zh-TW" altLang="en-US" sz="4800" b="1" dirty="0">
+                <a:solidFill>
+                  <a:srgbClr val="000066"/>
+                </a:solidFill>
+                <a:latin typeface="Microsoft JhengHei" pitchFamily="34" charset="-120"/>
+                <a:ea typeface="Microsoft JhengHei" pitchFamily="34" charset="-120"/>
+              </a:rPr>
+              <a:t>我深信</a:t>
+            </a:r>
+            <a:r>
+              <a:rPr lang="zh-CN" altLang="en-US" sz="4800" b="1" dirty="0">
+                <a:solidFill>
+                  <a:srgbClr val="000066"/>
+                </a:solidFill>
+                <a:latin typeface="Microsoft JhengHei" pitchFamily="34" charset="-120"/>
+                <a:ea typeface="Microsoft JhengHei" pitchFamily="34" charset="-120"/>
+              </a:rPr>
+              <a:t>袮</a:t>
+            </a:r>
+            <a:r>
+              <a:rPr lang="zh-TW" altLang="en-US" sz="4800" b="1" dirty="0">
+                <a:solidFill>
+                  <a:srgbClr val="000066"/>
+                </a:solidFill>
+                <a:latin typeface="Microsoft JhengHei" pitchFamily="34" charset="-120"/>
+                <a:ea typeface="Microsoft JhengHei" pitchFamily="34" charset="-120"/>
+              </a:rPr>
+              <a:t>與我同在</a:t>
+            </a:r>
+            <a:endParaRPr lang="en-US" altLang="zh-TW" sz="4800" b="1" dirty="0">
+              <a:solidFill>
+                <a:srgbClr val="000066"/>
+              </a:solidFill>
+              <a:latin typeface="Microsoft JhengHei" pitchFamily="34" charset="-120"/>
+              <a:ea typeface="Microsoft JhengHei" pitchFamily="34" charset="-120"/>
+            </a:endParaRPr>
+          </a:p>
+          <a:p>
+            <a:pPr algn="ctr">
+              <a:buNone/>
+            </a:pPr>
+            <a:r>
+              <a:rPr lang="zh-TW" altLang="en-US" sz="4800" b="1" dirty="0">
+                <a:solidFill>
+                  <a:srgbClr val="000066"/>
+                </a:solidFill>
+                <a:latin typeface="Microsoft JhengHei" pitchFamily="34" charset="-120"/>
+                <a:ea typeface="Microsoft JhengHei" pitchFamily="34" charset="-120"/>
+              </a:rPr>
+              <a:t>從今時直到永久</a:t>
+            </a:r>
+          </a:p>
+        </p:txBody>
+      </p:sp>
+      <p:sp>
+        <p:nvSpPr>
+          <p:cNvPr id="3" name="TextBox 2"/>
+          <p:cNvSpPr txBox="1"/>
+          <p:nvPr/>
+        </p:nvSpPr>
+        <p:spPr>
+          <a:xfrm>
+            <a:off x="683568" y="1707654"/>
+            <a:ext cx="936104" cy="830997"/>
+          </a:xfrm>
+          <a:prstGeom prst="rect">
+            <a:avLst/>
+          </a:prstGeom>
+          <a:noFill/>
+        </p:spPr>
+        <p:txBody>
+          <a:bodyPr wrap="square" rtlCol="0">
+            <a:spAutoFit/>
+          </a:bodyPr>
+          <a:lstStyle/>
+          <a:p>
+            <a:r>
+              <a:rPr lang="en-US" sz="4800" b="1" dirty="0" smtClean="0">
+                <a:solidFill>
+                  <a:srgbClr val="000066"/>
+                </a:solidFill>
+              </a:rPr>
+              <a:t>3.</a:t>
+            </a:r>
+            <a:endParaRPr lang="vi-VN" sz="4800" b="1" dirty="0">
+              <a:solidFill>
+                <a:srgbClr val="000066"/>
+              </a:solidFill>
+            </a:endParaRPr>
+          </a:p>
+        </p:txBody>
+      </p:sp>
+    </p:spTree>
+    <p:extLst>
+      <p:ext uri="{BB962C8B-B14F-4D97-AF65-F5344CB8AC3E}">
+        <p14:creationId xmlns:p14="http://schemas.microsoft.com/office/powerpoint/2010/main" val="1107768355"/>
+      </p:ext>
+    </p:extLst>
+  </p:cSld>
+  <p:clrMapOvr>
+    <a:masterClrMapping/>
+  </p:clrMapOvr>
+  <p:timing>
+    <p:tnLst>
+      <p:par>
+        <p:cTn id="1" dur="indefinite" restart="never" nodeType="tmRoot"/>
+      </p:par>
+    </p:tnLst>
+  </p:timing>
+</p:sld>
+</file>
+
+<file path=ppt/slides/slide12.xml><?xml version="1.0" encoding="utf-8"?>
+<p:sld xmlns:a="http://schemas.openxmlformats.org/drawingml/2006/main" xmlns:r="http://schemas.openxmlformats.org/officeDocument/2006/relationships" xmlns:p="http://schemas.openxmlformats.org/presentationml/2006/main">
+  <p:cSld>
+    <p:spTree>
+      <p:nvGrpSpPr>
+        <p:cNvPr id="1" name=""/>
+        <p:cNvGrpSpPr/>
+        <p:nvPr/>
+      </p:nvGrpSpPr>
+      <p:grpSpPr>
+        <a:xfrm>
+          <a:off x="0" y="0"/>
+          <a:ext cx="0" cy="0"/>
+          <a:chOff x="0" y="0"/>
+          <a:chExt cx="0" cy="0"/>
+        </a:xfrm>
+      </p:grpSpPr>
+      <p:sp>
+        <p:nvSpPr>
+          <p:cNvPr id="5" name="內容版面配置區 4"/>
+          <p:cNvSpPr>
+            <a:spLocks noGrp="1"/>
+          </p:cNvSpPr>
+          <p:nvPr>
+            <p:ph idx="1"/>
+          </p:nvPr>
+        </p:nvSpPr>
+        <p:spPr>
+          <a:xfrm>
+            <a:off x="0" y="1563638"/>
+            <a:ext cx="9144000" cy="1803647"/>
+          </a:xfrm>
+        </p:spPr>
+        <p:txBody>
+          <a:bodyPr anchor="ctr">
+            <a:normAutofit/>
+          </a:bodyPr>
+          <a:lstStyle/>
+          <a:p>
+            <a:pPr lvl="0" algn="ctr">
+              <a:buNone/>
+            </a:pPr>
+            <a:r>
+              <a:rPr lang="zh-TW" altLang="en-US" sz="4800" b="1" dirty="0">
+                <a:solidFill>
+                  <a:srgbClr val="000066"/>
+                </a:solidFill>
+                <a:latin typeface="Microsoft JhengHei" pitchFamily="34" charset="-120"/>
+                <a:ea typeface="Microsoft JhengHei" pitchFamily="34" charset="-120"/>
+              </a:rPr>
+              <a:t>耶穌 </a:t>
+            </a:r>
+            <a:r>
+              <a:rPr lang="zh-TW" altLang="en-US" sz="4800" b="1" dirty="0">
+                <a:solidFill>
+                  <a:srgbClr val="000066"/>
+                </a:solidFill>
+                <a:latin typeface="Microsoft JhengHei" pitchFamily="34" charset="-120"/>
+                <a:ea typeface="Microsoft JhengHei" pitchFamily="34" charset="-120"/>
+              </a:rPr>
+              <a:t> 耶</a:t>
+            </a:r>
+            <a:r>
+              <a:rPr lang="zh-TW" altLang="en-US" sz="4800" b="1" dirty="0">
+                <a:solidFill>
+                  <a:srgbClr val="000066"/>
+                </a:solidFill>
+                <a:latin typeface="Microsoft JhengHei" pitchFamily="34" charset="-120"/>
+                <a:ea typeface="Microsoft JhengHei" pitchFamily="34" charset="-120"/>
+              </a:rPr>
+              <a:t>穌  何等可靠</a:t>
+            </a:r>
+            <a:endParaRPr lang="en-US" altLang="zh-TW" sz="4800" b="1" dirty="0">
+              <a:solidFill>
+                <a:srgbClr val="000066"/>
+              </a:solidFill>
+              <a:latin typeface="Microsoft JhengHei" pitchFamily="34" charset="-120"/>
+              <a:ea typeface="Microsoft JhengHei" pitchFamily="34" charset="-120"/>
+            </a:endParaRPr>
+          </a:p>
+          <a:p>
+            <a:pPr lvl="0" algn="ctr">
+              <a:buNone/>
+            </a:pPr>
+            <a:r>
+              <a:rPr lang="zh-TW" altLang="en-US" sz="4800" b="1" dirty="0">
+                <a:solidFill>
+                  <a:srgbClr val="000066"/>
+                </a:solidFill>
+                <a:latin typeface="Microsoft JhengHei" pitchFamily="34" charset="-120"/>
+                <a:ea typeface="Microsoft JhengHei" pitchFamily="34" charset="-120"/>
+              </a:rPr>
+              <a:t>多少事上已證明</a:t>
+            </a:r>
+            <a:endParaRPr lang="en-US" altLang="zh-TW" sz="4800" b="1" dirty="0">
+              <a:solidFill>
+                <a:srgbClr val="000066"/>
+              </a:solidFill>
+              <a:latin typeface="Microsoft JhengHei" pitchFamily="34" charset="-120"/>
+              <a:ea typeface="Microsoft JhengHei" pitchFamily="34" charset="-120"/>
+            </a:endParaRPr>
+          </a:p>
+        </p:txBody>
+      </p:sp>
+    </p:spTree>
+    <p:extLst>
+      <p:ext uri="{BB962C8B-B14F-4D97-AF65-F5344CB8AC3E}">
+        <p14:creationId xmlns:p14="http://schemas.microsoft.com/office/powerpoint/2010/main" val="618477554"/>
+      </p:ext>
+    </p:extLst>
+  </p:cSld>
+  <p:clrMapOvr>
+    <a:masterClrMapping/>
+  </p:clrMapOvr>
+  <p:timing>
+    <p:tnLst>
+      <p:par>
+        <p:cTn id="1" dur="indefinite" restart="never" nodeType="tmRoot"/>
+      </p:par>
+    </p:tnLst>
+  </p:timing>
+</p:sld>
+</file>
+
+<file path=ppt/slides/slide13.xml><?xml version="1.0" encoding="utf-8"?>
+<p:sld xmlns:a="http://schemas.openxmlformats.org/drawingml/2006/main" xmlns:r="http://schemas.openxmlformats.org/officeDocument/2006/relationships" xmlns:p="http://schemas.openxmlformats.org/presentationml/2006/main">
+  <p:cSld>
+    <p:spTree>
+      <p:nvGrpSpPr>
+        <p:cNvPr id="1" name=""/>
+        <p:cNvGrpSpPr/>
+        <p:nvPr/>
+      </p:nvGrpSpPr>
+      <p:grpSpPr>
+        <a:xfrm>
+          <a:off x="0" y="0"/>
+          <a:ext cx="0" cy="0"/>
+          <a:chOff x="0" y="0"/>
+          <a:chExt cx="0" cy="0"/>
+        </a:xfrm>
+      </p:grpSpPr>
+      <p:sp>
+        <p:nvSpPr>
+          <p:cNvPr id="5" name="內容版面配置區 4"/>
+          <p:cNvSpPr>
+            <a:spLocks noGrp="1"/>
+          </p:cNvSpPr>
+          <p:nvPr>
+            <p:ph idx="1"/>
+          </p:nvPr>
+        </p:nvSpPr>
+        <p:spPr>
+          <a:xfrm>
+            <a:off x="0" y="1563638"/>
+            <a:ext cx="9144000" cy="1803647"/>
+          </a:xfrm>
+        </p:spPr>
+        <p:txBody>
+          <a:bodyPr anchor="ctr">
+            <a:normAutofit/>
+          </a:bodyPr>
+          <a:lstStyle/>
+          <a:p>
+            <a:pPr lvl="0" algn="ctr">
+              <a:buNone/>
+            </a:pPr>
+            <a:r>
+              <a:rPr lang="zh-TW" altLang="en-US" sz="4800" b="1" dirty="0">
+                <a:solidFill>
+                  <a:srgbClr val="000066"/>
+                </a:solidFill>
+                <a:latin typeface="Microsoft JhengHei" pitchFamily="34" charset="-120"/>
+                <a:ea typeface="Microsoft JhengHei" pitchFamily="34" charset="-120"/>
+              </a:rPr>
+              <a:t>耶穌  耶穌  寶貴耶穌</a:t>
+            </a:r>
+            <a:endParaRPr lang="en-US" altLang="zh-TW" sz="4800" b="1" dirty="0">
+              <a:solidFill>
+                <a:srgbClr val="000066"/>
+              </a:solidFill>
+              <a:latin typeface="Microsoft JhengHei" pitchFamily="34" charset="-120"/>
+              <a:ea typeface="Microsoft JhengHei" pitchFamily="34" charset="-120"/>
+            </a:endParaRPr>
+          </a:p>
+          <a:p>
+            <a:pPr lvl="0" algn="ctr">
+              <a:buNone/>
+            </a:pPr>
+            <a:r>
+              <a:rPr lang="zh-TW" altLang="en-US" sz="4800" b="1" dirty="0">
+                <a:solidFill>
+                  <a:srgbClr val="000066"/>
+                </a:solidFill>
+                <a:latin typeface="Microsoft JhengHei" pitchFamily="34" charset="-120"/>
+                <a:ea typeface="Microsoft JhengHei" pitchFamily="34" charset="-120"/>
+              </a:rPr>
+              <a:t>願我信心更堅定</a:t>
+            </a:r>
+          </a:p>
+        </p:txBody>
+      </p:sp>
+    </p:spTree>
+    <p:extLst>
+      <p:ext uri="{BB962C8B-B14F-4D97-AF65-F5344CB8AC3E}">
+        <p14:creationId xmlns:p14="http://schemas.microsoft.com/office/powerpoint/2010/main" val="2741044876"/>
+      </p:ext>
+    </p:extLst>
+  </p:cSld>
+  <p:clrMapOvr>
+    <a:masterClrMapping/>
+  </p:clrMapOvr>
+  <p:timing>
+    <p:tnLst>
+      <p:par>
+        <p:cTn id="1" dur="indefinite" restart="never" nodeType="tmRoot"/>
+      </p:par>
+    </p:tnLst>
+  </p:timing>
 </p:sld>
 </file>
 
@@ -3257,59 +3694,53 @@
       </p:grpSpPr>
       <p:sp>
         <p:nvSpPr>
-          <p:cNvPr id="4" name="標題 3"/>
-          <p:cNvSpPr>
-            <a:spLocks noGrp="1"/>
-          </p:cNvSpPr>
-          <p:nvPr>
-            <p:ph type="title"/>
-          </p:nvPr>
-        </p:nvSpPr>
-        <p:spPr/>
-        <p:txBody>
-          <a:bodyPr>
+          <p:cNvPr id="5" name="內容版面配置區 4"/>
+          <p:cNvSpPr>
+            <a:spLocks noGrp="1"/>
+          </p:cNvSpPr>
+          <p:nvPr>
+            <p:ph idx="1"/>
+          </p:nvPr>
+        </p:nvSpPr>
+        <p:spPr>
+          <a:xfrm>
+            <a:off x="0" y="1563638"/>
+            <a:ext cx="9144000" cy="1803647"/>
+          </a:xfrm>
+        </p:spPr>
+        <p:txBody>
+          <a:bodyPr anchor="ctr">
             <a:normAutofit/>
           </a:bodyPr>
           <a:lstStyle/>
           <a:p>
-            <a:r>
-              <a:rPr lang="zh-TW" altLang="en-US" sz="4000" b="1" dirty="0">
+            <a:pPr lvl="0" algn="ctr">
+              <a:buNone/>
+            </a:pPr>
+            <a:r>
+              <a:rPr lang="zh-TW" altLang="en-US" sz="4800" b="1" dirty="0" smtClean="0">
+                <a:solidFill>
+                  <a:srgbClr val="000066"/>
+                </a:solidFill>
                 <a:latin typeface="Microsoft JhengHei" pitchFamily="34" charset="-120"/>
                 <a:ea typeface="Microsoft JhengHei" pitchFamily="34" charset="-120"/>
               </a:rPr>
-              <a:t>信靠耶穌真是甜美</a:t>
-            </a:r>
-          </a:p>
-        </p:txBody>
-      </p:sp>
-      <p:sp>
-        <p:nvSpPr>
-          <p:cNvPr id="5" name="內容版面配置區 4"/>
-          <p:cNvSpPr>
-            <a:spLocks noGrp="1"/>
-          </p:cNvSpPr>
-          <p:nvPr>
-            <p:ph idx="1"/>
-          </p:nvPr>
-        </p:nvSpPr>
-        <p:spPr/>
-        <p:txBody>
-          <a:bodyPr>
-            <a:noAutofit/>
-          </a:bodyPr>
-          <a:lstStyle/>
-          <a:p>
-            <a:pPr lvl="0" algn="ctr">
-              <a:buNone/>
-            </a:pPr>
+              <a:t>信</a:t>
+            </a:r>
             <a:r>
               <a:rPr lang="zh-TW" altLang="en-US" sz="4800" b="1" dirty="0">
+                <a:solidFill>
+                  <a:srgbClr val="000066"/>
+                </a:solidFill>
                 <a:latin typeface="Microsoft JhengHei" pitchFamily="34" charset="-120"/>
                 <a:ea typeface="Microsoft JhengHei" pitchFamily="34" charset="-120"/>
               </a:rPr>
-              <a:t>耶穌 耶穌  何等可靠</a:t>
+              <a:t>靠耶穌真是甜美</a:t>
             </a:r>
             <a:endParaRPr lang="en-US" altLang="zh-TW" sz="4800" b="1" dirty="0">
+              <a:solidFill>
+                <a:srgbClr val="000066"/>
+              </a:solidFill>
               <a:latin typeface="Microsoft JhengHei" pitchFamily="34" charset="-120"/>
               <a:ea typeface="Microsoft JhengHei" pitchFamily="34" charset="-120"/>
             </a:endParaRPr>
@@ -3320,77 +3751,72 @@
             </a:pPr>
             <a:r>
               <a:rPr lang="zh-TW" altLang="en-US" sz="4800" b="1" dirty="0">
+                <a:solidFill>
+                  <a:srgbClr val="000066"/>
+                </a:solidFill>
                 <a:latin typeface="Microsoft JhengHei" pitchFamily="34" charset="-120"/>
                 <a:ea typeface="Microsoft JhengHei" pitchFamily="34" charset="-120"/>
               </a:rPr>
-              <a:t>多少</a:t>
-            </a:r>
-            <a:r>
-              <a:rPr lang="zh-TW" altLang="en-US" sz="4800" b="1" dirty="0">
-                <a:latin typeface="Microsoft JhengHei" pitchFamily="34" charset="-120"/>
-                <a:ea typeface="Microsoft JhengHei" pitchFamily="34" charset="-120"/>
+              <a:t>只要信靠主恩言</a:t>
+            </a:r>
+          </a:p>
+        </p:txBody>
+      </p:sp>
+      <p:sp>
+        <p:nvSpPr>
+          <p:cNvPr id="3" name="TextBox 2"/>
+          <p:cNvSpPr txBox="1"/>
+          <p:nvPr/>
+        </p:nvSpPr>
+        <p:spPr>
+          <a:xfrm>
+            <a:off x="683568" y="1707654"/>
+            <a:ext cx="936104" cy="830997"/>
+          </a:xfrm>
+          <a:prstGeom prst="rect">
+            <a:avLst/>
+          </a:prstGeom>
+          <a:noFill/>
+        </p:spPr>
+        <p:txBody>
+          <a:bodyPr wrap="square" rtlCol="0">
+            <a:spAutoFit/>
+          </a:bodyPr>
+          <a:lstStyle/>
+          <a:p>
+            <a:r>
+              <a:rPr lang="en-US" sz="4800" b="1" dirty="0" smtClean="0">
+                <a:solidFill>
+                  <a:srgbClr val="000066"/>
+                </a:solidFill>
               </a:rPr>
-              <a:t>事上已</a:t>
-            </a:r>
-            <a:r>
-              <a:rPr lang="zh-TW" altLang="en-US" sz="4800" b="1" dirty="0">
-                <a:latin typeface="Microsoft JhengHei" pitchFamily="34" charset="-120"/>
-                <a:ea typeface="Microsoft JhengHei" pitchFamily="34" charset="-120"/>
-              </a:rPr>
-              <a:t>證明</a:t>
-            </a:r>
-            <a:endParaRPr lang="en-US" altLang="zh-TW" sz="4800" b="1" dirty="0">
-              <a:latin typeface="Microsoft JhengHei" pitchFamily="34" charset="-120"/>
-              <a:ea typeface="Microsoft JhengHei" pitchFamily="34" charset="-120"/>
+              <a:t>1.</a:t>
+            </a:r>
+            <a:endParaRPr lang="vi-VN" sz="4800" b="1" dirty="0">
+              <a:solidFill>
+                <a:srgbClr val="000066"/>
+              </a:solidFill>
             </a:endParaRPr>
-          </a:p>
-          <a:p>
-            <a:pPr lvl="0" algn="ctr">
-              <a:buNone/>
-            </a:pPr>
-            <a:r>
-              <a:rPr lang="zh-TW" altLang="en-US" sz="4800" b="1" dirty="0">
-                <a:latin typeface="Microsoft JhengHei" pitchFamily="34" charset="-120"/>
-                <a:ea typeface="Microsoft JhengHei" pitchFamily="34" charset="-120"/>
-              </a:rPr>
-              <a:t>耶穌  耶穌  寶貴耶穌</a:t>
-            </a:r>
-            <a:endParaRPr lang="en-US" altLang="zh-TW" sz="4800" b="1" dirty="0">
-              <a:latin typeface="Microsoft JhengHei" pitchFamily="34" charset="-120"/>
-              <a:ea typeface="Microsoft JhengHei" pitchFamily="34" charset="-120"/>
-            </a:endParaRPr>
-          </a:p>
-          <a:p>
-            <a:pPr lvl="0" algn="ctr">
-              <a:buNone/>
-            </a:pPr>
-            <a:r>
-              <a:rPr lang="zh-TW" altLang="en-US" sz="4800" b="1" dirty="0">
-                <a:latin typeface="Microsoft JhengHei" pitchFamily="34" charset="-120"/>
-                <a:ea typeface="Microsoft JhengHei" pitchFamily="34" charset="-120"/>
-              </a:rPr>
-              <a:t>願</a:t>
-            </a:r>
-            <a:r>
-              <a:rPr lang="zh-TW" altLang="en-US" sz="4800" b="1" dirty="0">
-                <a:latin typeface="Microsoft JhengHei" pitchFamily="34" charset="-120"/>
-                <a:ea typeface="Microsoft JhengHei" pitchFamily="34" charset="-120"/>
-              </a:rPr>
-              <a:t>我信心更堅定</a:t>
-            </a:r>
           </a:p>
         </p:txBody>
       </p:sp>
     </p:spTree>
     <p:extLst>
       <p:ext uri="{BB962C8B-B14F-4D97-AF65-F5344CB8AC3E}">
-        <p14:creationId xmlns:p14="http://schemas.microsoft.com/office/powerpoint/2010/main" val="3470707492"/>
+        <p14:creationId xmlns:p14="http://schemas.microsoft.com/office/powerpoint/2010/main" val="2425616802"/>
       </p:ext>
     </p:extLst>
   </p:cSld>
   <p:clrMapOvr>
     <a:masterClrMapping/>
   </p:clrMapOvr>
+  <p:timing>
+    <p:tnLst>
+      <p:par>
+        <p:cTn id="1" dur="indefinite" restart="never" nodeType="tmRoot"/>
+      </p:par>
+    </p:tnLst>
+  </p:timing>
 </p:sld>
 </file>
 
@@ -3413,154 +3839,74 @@
       </p:grpSpPr>
       <p:sp>
         <p:nvSpPr>
-          <p:cNvPr id="4" name="標題 3"/>
-          <p:cNvSpPr>
-            <a:spLocks noGrp="1"/>
-          </p:cNvSpPr>
-          <p:nvPr>
-            <p:ph type="title"/>
-          </p:nvPr>
-        </p:nvSpPr>
-        <p:spPr/>
-        <p:txBody>
-          <a:bodyPr>
+          <p:cNvPr id="5" name="內容版面配置區 4"/>
+          <p:cNvSpPr>
+            <a:spLocks noGrp="1"/>
+          </p:cNvSpPr>
+          <p:nvPr>
+            <p:ph idx="1"/>
+          </p:nvPr>
+        </p:nvSpPr>
+        <p:spPr>
+          <a:xfrm>
+            <a:off x="0" y="1563638"/>
+            <a:ext cx="9144000" cy="1803647"/>
+          </a:xfrm>
+        </p:spPr>
+        <p:txBody>
+          <a:bodyPr anchor="ctr">
             <a:normAutofit/>
           </a:bodyPr>
           <a:lstStyle/>
           <a:p>
-            <a:r>
-              <a:rPr lang="zh-TW" altLang="en-US" sz="4000" b="1" dirty="0">
+            <a:pPr algn="ctr">
+              <a:buNone/>
+            </a:pPr>
+            <a:r>
+              <a:rPr lang="zh-TW" altLang="en-US" sz="4800" b="1" dirty="0">
+                <a:solidFill>
+                  <a:srgbClr val="000066"/>
+                </a:solidFill>
                 <a:latin typeface="Microsoft JhengHei" pitchFamily="34" charset="-120"/>
                 <a:ea typeface="Microsoft JhengHei" pitchFamily="34" charset="-120"/>
               </a:rPr>
-              <a:t>信靠耶穌真是甜美</a:t>
-            </a:r>
-          </a:p>
-        </p:txBody>
-      </p:sp>
-      <p:sp>
-        <p:nvSpPr>
-          <p:cNvPr id="5" name="內容版面配置區 4"/>
-          <p:cNvSpPr>
-            <a:spLocks noGrp="1"/>
-          </p:cNvSpPr>
-          <p:nvPr>
-            <p:ph idx="1"/>
-          </p:nvPr>
-        </p:nvSpPr>
-        <p:spPr/>
-        <p:txBody>
-          <a:bodyPr>
-            <a:noAutofit/>
-          </a:bodyPr>
-          <a:lstStyle/>
+              <a:t>只要站在主應許上</a:t>
+            </a:r>
+            <a:endParaRPr lang="en-US" altLang="zh-TW" sz="4800" b="1" dirty="0">
+              <a:solidFill>
+                <a:srgbClr val="000066"/>
+              </a:solidFill>
+              <a:latin typeface="Microsoft JhengHei" pitchFamily="34" charset="-120"/>
+              <a:ea typeface="Microsoft JhengHei" pitchFamily="34" charset="-120"/>
+            </a:endParaRPr>
+          </a:p>
           <a:p>
             <a:pPr algn="ctr">
               <a:buNone/>
             </a:pPr>
             <a:r>
               <a:rPr lang="zh-TW" altLang="en-US" sz="4800" b="1" dirty="0">
+                <a:solidFill>
+                  <a:srgbClr val="000066"/>
+                </a:solidFill>
                 <a:latin typeface="Microsoft JhengHei" pitchFamily="34" charset="-120"/>
                 <a:ea typeface="Microsoft JhengHei" pitchFamily="34" charset="-120"/>
               </a:rPr>
-              <a:t>信靠耶穌何等</a:t>
-            </a:r>
-            <a:r>
-              <a:rPr lang="zh-TW" altLang="en-US" sz="4800" b="1" dirty="0">
-                <a:latin typeface="Microsoft JhengHei" pitchFamily="34" charset="-120"/>
-                <a:ea typeface="Microsoft JhengHei" pitchFamily="34" charset="-120"/>
-              </a:rPr>
-              <a:t>甜美</a:t>
-            </a:r>
-            <a:endParaRPr lang="en-US" altLang="zh-TW" sz="4800" b="1" dirty="0">
-              <a:latin typeface="Microsoft JhengHei" pitchFamily="34" charset="-120"/>
-              <a:ea typeface="Microsoft JhengHei" pitchFamily="34" charset="-120"/>
-            </a:endParaRPr>
-          </a:p>
-          <a:p>
-            <a:pPr algn="ctr">
-              <a:buNone/>
-            </a:pPr>
-            <a:r>
-              <a:rPr lang="zh-TW" altLang="en-US" sz="4800" b="1" dirty="0">
-                <a:latin typeface="Microsoft JhengHei" pitchFamily="34" charset="-120"/>
-                <a:ea typeface="Microsoft JhengHei" pitchFamily="34" charset="-120"/>
-              </a:rPr>
-              <a:t>只要</a:t>
-            </a:r>
-            <a:r>
-              <a:rPr lang="zh-TW" altLang="en-US" sz="4800" b="1" dirty="0">
-                <a:latin typeface="Microsoft JhengHei" pitchFamily="34" charset="-120"/>
-                <a:ea typeface="Microsoft JhengHei" pitchFamily="34" charset="-120"/>
-              </a:rPr>
-              <a:t>信靠主寶</a:t>
-            </a:r>
-            <a:r>
-              <a:rPr lang="zh-TW" altLang="en-US" sz="4800" b="1" dirty="0">
-                <a:latin typeface="Microsoft JhengHei" pitchFamily="34" charset="-120"/>
-                <a:ea typeface="Microsoft JhengHei" pitchFamily="34" charset="-120"/>
-              </a:rPr>
-              <a:t>血</a:t>
-            </a:r>
-            <a:endParaRPr lang="zh-TW" altLang="en-US" sz="4800" b="1" dirty="0">
-              <a:latin typeface="Microsoft JhengHei" pitchFamily="34" charset="-120"/>
-              <a:ea typeface="Microsoft JhengHei" pitchFamily="34" charset="-120"/>
-            </a:endParaRPr>
-          </a:p>
-          <a:p>
-            <a:pPr algn="ctr">
-              <a:buNone/>
-            </a:pPr>
-            <a:r>
-              <a:rPr lang="zh-TW" altLang="en-US" sz="4800" b="1" dirty="0">
-                <a:latin typeface="Microsoft JhengHei" pitchFamily="34" charset="-120"/>
-                <a:ea typeface="Microsoft JhengHei" pitchFamily="34" charset="-120"/>
-              </a:rPr>
-              <a:t>只要憑著純一</a:t>
-            </a:r>
-            <a:r>
-              <a:rPr lang="zh-TW" altLang="en-US" sz="4800" b="1" dirty="0">
-                <a:latin typeface="Microsoft JhengHei" pitchFamily="34" charset="-120"/>
-                <a:ea typeface="Microsoft JhengHei" pitchFamily="34" charset="-120"/>
-              </a:rPr>
-              <a:t>信心</a:t>
-            </a:r>
-            <a:endParaRPr lang="en-US" altLang="zh-TW" sz="4800" b="1" dirty="0">
-              <a:latin typeface="Microsoft JhengHei" pitchFamily="34" charset="-120"/>
-              <a:ea typeface="Microsoft JhengHei" pitchFamily="34" charset="-120"/>
-            </a:endParaRPr>
-          </a:p>
-          <a:p>
-            <a:pPr algn="ctr">
-              <a:buNone/>
-            </a:pPr>
-            <a:r>
-              <a:rPr lang="zh-TW" altLang="en-US" sz="4800" b="1" dirty="0">
-                <a:latin typeface="Microsoft JhengHei" pitchFamily="34" charset="-120"/>
-                <a:ea typeface="Microsoft JhengHei" pitchFamily="34" charset="-120"/>
-              </a:rPr>
-              <a:t>能</a:t>
-            </a:r>
-            <a:r>
-              <a:rPr lang="zh-TW" altLang="en-US" sz="4800" b="1" dirty="0">
-                <a:latin typeface="Microsoft JhengHei" pitchFamily="34" charset="-120"/>
-                <a:ea typeface="Microsoft JhengHei" pitchFamily="34" charset="-120"/>
-              </a:rPr>
-              <a:t>洗罪污白如雪</a:t>
-            </a:r>
-          </a:p>
-        </p:txBody>
-      </p:sp>
-      <p:sp>
-        <p:nvSpPr>
-          <p:cNvPr id="6" name="TextBox 5"/>
+              <a:t>信靠主蒙福無邊</a:t>
+            </a:r>
+          </a:p>
+        </p:txBody>
+      </p:sp>
+      <p:sp>
+        <p:nvSpPr>
+          <p:cNvPr id="3" name="TextBox 2"/>
           <p:cNvSpPr txBox="1"/>
           <p:nvPr/>
         </p:nvSpPr>
         <p:spPr>
           <a:xfrm>
-            <a:off x="1219200" y="1276350"/>
-            <a:ext cx="914400" cy="769441"/>
+            <a:off x="683568" y="1707654"/>
+            <a:ext cx="936104" cy="830997"/>
           </a:xfrm>
           <a:prstGeom prst="rect">
             <a:avLst/>
@@ -3574,15 +3920,17 @@
           <a:lstStyle/>
           <a:p>
             <a:r>
-              <a:rPr lang="en-US" sz="4400" b="1" dirty="0" smtClean="0">
-                <a:latin typeface="Microsoft JhengHei" pitchFamily="34" charset="-120"/>
-                <a:ea typeface="Microsoft JhengHei" pitchFamily="34" charset="-120"/>
+              <a:rPr lang="en-US" sz="4800" b="1" dirty="0" smtClean="0">
+                <a:solidFill>
+                  <a:srgbClr val="000066"/>
+                </a:solidFill>
               </a:rPr>
-              <a:t>2.</a:t>
-            </a:r>
-            <a:endParaRPr lang="en-US" sz="4400" b="1" dirty="0">
-              <a:latin typeface="Microsoft JhengHei" pitchFamily="34" charset="-120"/>
-              <a:ea typeface="Microsoft JhengHei" pitchFamily="34" charset="-120"/>
+              <a:t>1.</a:t>
+            </a:r>
+            <a:endParaRPr lang="vi-VN" sz="4800" b="1" dirty="0">
+              <a:solidFill>
+                <a:srgbClr val="000066"/>
+              </a:solidFill>
             </a:endParaRPr>
           </a:p>
         </p:txBody>
@@ -3590,13 +3938,20 @@
     </p:spTree>
     <p:extLst>
       <p:ext uri="{BB962C8B-B14F-4D97-AF65-F5344CB8AC3E}">
-        <p14:creationId xmlns:p14="http://schemas.microsoft.com/office/powerpoint/2010/main" val="2479405893"/>
+        <p14:creationId xmlns:p14="http://schemas.microsoft.com/office/powerpoint/2010/main" val="2547807248"/>
       </p:ext>
     </p:extLst>
   </p:cSld>
   <p:clrMapOvr>
     <a:masterClrMapping/>
   </p:clrMapOvr>
+  <p:timing>
+    <p:tnLst>
+      <p:par>
+        <p:cTn id="1" dur="indefinite" restart="never" nodeType="tmRoot"/>
+      </p:par>
+    </p:tnLst>
+  </p:timing>
 </p:sld>
 </file>
 
@@ -3619,59 +3974,63 @@
       </p:grpSpPr>
       <p:sp>
         <p:nvSpPr>
-          <p:cNvPr id="4" name="標題 3"/>
-          <p:cNvSpPr>
-            <a:spLocks noGrp="1"/>
-          </p:cNvSpPr>
-          <p:nvPr>
-            <p:ph type="title"/>
-          </p:nvPr>
-        </p:nvSpPr>
-        <p:spPr/>
-        <p:txBody>
-          <a:bodyPr>
+          <p:cNvPr id="5" name="內容版面配置區 4"/>
+          <p:cNvSpPr>
+            <a:spLocks noGrp="1"/>
+          </p:cNvSpPr>
+          <p:nvPr>
+            <p:ph idx="1"/>
+          </p:nvPr>
+        </p:nvSpPr>
+        <p:spPr>
+          <a:xfrm>
+            <a:off x="0" y="1563638"/>
+            <a:ext cx="9144000" cy="1803647"/>
+          </a:xfrm>
+        </p:spPr>
+        <p:txBody>
+          <a:bodyPr anchor="ctr">
             <a:normAutofit/>
           </a:bodyPr>
           <a:lstStyle/>
           <a:p>
-            <a:r>
-              <a:rPr lang="zh-TW" altLang="en-US" sz="4000" b="1" dirty="0">
+            <a:pPr lvl="0" algn="ctr">
+              <a:buNone/>
+            </a:pPr>
+            <a:r>
+              <a:rPr lang="zh-TW" altLang="en-US" sz="4800" b="1" dirty="0">
+                <a:solidFill>
+                  <a:srgbClr val="000066"/>
+                </a:solidFill>
                 <a:latin typeface="Microsoft JhengHei" pitchFamily="34" charset="-120"/>
                 <a:ea typeface="Microsoft JhengHei" pitchFamily="34" charset="-120"/>
               </a:rPr>
-              <a:t>信靠耶穌真是甜美</a:t>
-            </a:r>
-          </a:p>
-        </p:txBody>
-      </p:sp>
-      <p:sp>
-        <p:nvSpPr>
-          <p:cNvPr id="5" name="內容版面配置區 4"/>
-          <p:cNvSpPr>
-            <a:spLocks noGrp="1"/>
-          </p:cNvSpPr>
-          <p:nvPr>
-            <p:ph idx="1"/>
-          </p:nvPr>
-        </p:nvSpPr>
-        <p:spPr/>
-        <p:txBody>
-          <a:bodyPr>
-            <a:noAutofit/>
-          </a:bodyPr>
-          <a:lstStyle/>
-          <a:p>
-            <a:pPr lvl="0" algn="ctr">
-              <a:buNone/>
-            </a:pPr>
+              <a:t>耶穌 </a:t>
+            </a:r>
             <a:r>
               <a:rPr lang="zh-TW" altLang="en-US" sz="4800" b="1" dirty="0">
+                <a:solidFill>
+                  <a:srgbClr val="000066"/>
+                </a:solidFill>
                 <a:latin typeface="Microsoft JhengHei" pitchFamily="34" charset="-120"/>
                 <a:ea typeface="Microsoft JhengHei" pitchFamily="34" charset="-120"/>
               </a:rPr>
-              <a:t>耶穌 耶穌  何等可靠</a:t>
+              <a:t> 耶</a:t>
+            </a:r>
+            <a:r>
+              <a:rPr lang="zh-TW" altLang="en-US" sz="4800" b="1" dirty="0">
+                <a:solidFill>
+                  <a:srgbClr val="000066"/>
+                </a:solidFill>
+                <a:latin typeface="Microsoft JhengHei" pitchFamily="34" charset="-120"/>
+                <a:ea typeface="Microsoft JhengHei" pitchFamily="34" charset="-120"/>
+              </a:rPr>
+              <a:t>穌  何等可靠</a:t>
             </a:r>
             <a:endParaRPr lang="en-US" altLang="zh-TW" sz="4800" b="1" dirty="0">
+              <a:solidFill>
+                <a:srgbClr val="000066"/>
+              </a:solidFill>
               <a:latin typeface="Microsoft JhengHei" pitchFamily="34" charset="-120"/>
               <a:ea typeface="Microsoft JhengHei" pitchFamily="34" charset="-120"/>
             </a:endParaRPr>
@@ -3682,77 +4041,41 @@
             </a:pPr>
             <a:r>
               <a:rPr lang="zh-TW" altLang="en-US" sz="4800" b="1" dirty="0">
+                <a:solidFill>
+                  <a:srgbClr val="000066"/>
+                </a:solidFill>
                 <a:latin typeface="Microsoft JhengHei" pitchFamily="34" charset="-120"/>
                 <a:ea typeface="Microsoft JhengHei" pitchFamily="34" charset="-120"/>
               </a:rPr>
-              <a:t>多少</a:t>
-            </a:r>
-            <a:r>
-              <a:rPr lang="zh-TW" altLang="en-US" sz="4800" b="1" dirty="0">
-                <a:latin typeface="Microsoft JhengHei" pitchFamily="34" charset="-120"/>
-                <a:ea typeface="Microsoft JhengHei" pitchFamily="34" charset="-120"/>
-              </a:rPr>
-              <a:t>事上已</a:t>
-            </a:r>
-            <a:r>
-              <a:rPr lang="zh-TW" altLang="en-US" sz="4800" b="1" dirty="0">
-                <a:latin typeface="Microsoft JhengHei" pitchFamily="34" charset="-120"/>
-                <a:ea typeface="Microsoft JhengHei" pitchFamily="34" charset="-120"/>
-              </a:rPr>
-              <a:t>證明</a:t>
+              <a:t>多少事上已證明</a:t>
             </a:r>
             <a:endParaRPr lang="en-US" altLang="zh-TW" sz="4800" b="1" dirty="0">
+              <a:solidFill>
+                <a:srgbClr val="000066"/>
+              </a:solidFill>
               <a:latin typeface="Microsoft JhengHei" pitchFamily="34" charset="-120"/>
               <a:ea typeface="Microsoft JhengHei" pitchFamily="34" charset="-120"/>
             </a:endParaRPr>
           </a:p>
-          <a:p>
-            <a:pPr lvl="0" algn="ctr">
-              <a:buNone/>
-            </a:pPr>
-            <a:r>
-              <a:rPr lang="zh-TW" altLang="en-US" sz="4800" b="1" dirty="0">
-                <a:latin typeface="Microsoft JhengHei" pitchFamily="34" charset="-120"/>
-                <a:ea typeface="Microsoft JhengHei" pitchFamily="34" charset="-120"/>
-              </a:rPr>
-              <a:t>耶穌  耶穌  寶貴耶穌</a:t>
-            </a:r>
-            <a:endParaRPr lang="en-US" altLang="zh-TW" sz="4800" b="1" dirty="0">
-              <a:latin typeface="Microsoft JhengHei" pitchFamily="34" charset="-120"/>
-              <a:ea typeface="Microsoft JhengHei" pitchFamily="34" charset="-120"/>
-            </a:endParaRPr>
-          </a:p>
-          <a:p>
-            <a:pPr lvl="0" algn="ctr">
-              <a:buNone/>
-            </a:pPr>
-            <a:r>
-              <a:rPr lang="zh-TW" altLang="en-US" sz="4800" b="1" dirty="0">
-                <a:latin typeface="Microsoft JhengHei" pitchFamily="34" charset="-120"/>
-                <a:ea typeface="Microsoft JhengHei" pitchFamily="34" charset="-120"/>
-              </a:rPr>
-              <a:t>願</a:t>
-            </a:r>
-            <a:r>
-              <a:rPr lang="zh-TW" altLang="en-US" sz="4800" b="1" dirty="0">
-                <a:latin typeface="Microsoft JhengHei" pitchFamily="34" charset="-120"/>
-                <a:ea typeface="Microsoft JhengHei" pitchFamily="34" charset="-120"/>
-              </a:rPr>
-              <a:t>我信心更堅定</a:t>
-            </a:r>
-          </a:p>
         </p:txBody>
       </p:sp>
     </p:spTree>
     <p:extLst>
       <p:ext uri="{BB962C8B-B14F-4D97-AF65-F5344CB8AC3E}">
-        <p14:creationId xmlns:p14="http://schemas.microsoft.com/office/powerpoint/2010/main" val="3096445472"/>
+        <p14:creationId xmlns:p14="http://schemas.microsoft.com/office/powerpoint/2010/main" val="956580150"/>
       </p:ext>
     </p:extLst>
   </p:cSld>
   <p:clrMapOvr>
     <a:masterClrMapping/>
   </p:clrMapOvr>
+  <p:timing>
+    <p:tnLst>
+      <p:par>
+        <p:cTn id="1" dur="indefinite" restart="never" nodeType="tmRoot"/>
+      </p:par>
+    </p:tnLst>
+  </p:timing>
 </p:sld>
 </file>
 
@@ -3775,204 +4098,81 @@
       </p:grpSpPr>
       <p:sp>
         <p:nvSpPr>
-          <p:cNvPr id="4" name="標題 3"/>
-          <p:cNvSpPr>
-            <a:spLocks noGrp="1"/>
-          </p:cNvSpPr>
-          <p:nvPr>
-            <p:ph type="title"/>
-          </p:nvPr>
-        </p:nvSpPr>
-        <p:spPr/>
-        <p:txBody>
-          <a:bodyPr>
+          <p:cNvPr id="5" name="內容版面配置區 4"/>
+          <p:cNvSpPr>
+            <a:spLocks noGrp="1"/>
+          </p:cNvSpPr>
+          <p:nvPr>
+            <p:ph idx="1"/>
+          </p:nvPr>
+        </p:nvSpPr>
+        <p:spPr>
+          <a:xfrm>
+            <a:off x="0" y="1563638"/>
+            <a:ext cx="9144000" cy="1803647"/>
+          </a:xfrm>
+        </p:spPr>
+        <p:txBody>
+          <a:bodyPr anchor="ctr">
             <a:normAutofit/>
           </a:bodyPr>
           <a:lstStyle/>
           <a:p>
-            <a:r>
-              <a:rPr lang="zh-TW" altLang="en-US" sz="4000" b="1" dirty="0">
+            <a:pPr lvl="0" algn="ctr">
+              <a:buNone/>
+            </a:pPr>
+            <a:r>
+              <a:rPr lang="zh-TW" altLang="en-US" sz="4800" b="1" dirty="0">
+                <a:solidFill>
+                  <a:srgbClr val="000066"/>
+                </a:solidFill>
                 <a:latin typeface="Microsoft JhengHei" pitchFamily="34" charset="-120"/>
                 <a:ea typeface="Microsoft JhengHei" pitchFamily="34" charset="-120"/>
               </a:rPr>
-              <a:t>信靠耶穌真是甜美</a:t>
-            </a:r>
-          </a:p>
-        </p:txBody>
-      </p:sp>
-      <p:sp>
-        <p:nvSpPr>
-          <p:cNvPr id="5" name="內容版面配置區 4"/>
-          <p:cNvSpPr>
-            <a:spLocks noGrp="1"/>
-          </p:cNvSpPr>
-          <p:nvPr>
-            <p:ph idx="1"/>
-          </p:nvPr>
-        </p:nvSpPr>
-        <p:spPr/>
-        <p:txBody>
-          <a:bodyPr>
-            <a:noAutofit/>
-          </a:bodyPr>
-          <a:lstStyle/>
-          <a:p>
-            <a:pPr algn="ctr">
+              <a:t>耶穌  耶穌  寶貴耶穌</a:t>
+            </a:r>
+            <a:endParaRPr lang="en-US" altLang="zh-TW" sz="4800" b="1" dirty="0">
+              <a:solidFill>
+                <a:srgbClr val="000066"/>
+              </a:solidFill>
+              <a:latin typeface="Microsoft JhengHei" pitchFamily="34" charset="-120"/>
+              <a:ea typeface="Microsoft JhengHei" pitchFamily="34" charset="-120"/>
+            </a:endParaRPr>
+          </a:p>
+          <a:p>
+            <a:pPr lvl="0" algn="ctr">
               <a:buNone/>
             </a:pPr>
             <a:r>
               <a:rPr lang="zh-TW" altLang="en-US" sz="4800" b="1" dirty="0">
+                <a:solidFill>
+                  <a:srgbClr val="000066"/>
+                </a:solidFill>
                 <a:latin typeface="Microsoft JhengHei" pitchFamily="34" charset="-120"/>
                 <a:ea typeface="Microsoft JhengHei" pitchFamily="34" charset="-120"/>
               </a:rPr>
-              <a:t>感謝</a:t>
-            </a:r>
-            <a:r>
-              <a:rPr lang="zh-TW" altLang="en-US" sz="4800" b="1" dirty="0">
-                <a:latin typeface="Microsoft JhengHei" pitchFamily="34" charset="-120"/>
-                <a:ea typeface="Microsoft JhengHei" pitchFamily="34" charset="-120"/>
-              </a:rPr>
-              <a:t>主助</a:t>
-            </a:r>
-            <a:r>
-              <a:rPr lang="zh-TW" altLang="en-US" sz="4800" b="1" dirty="0">
-                <a:latin typeface="Microsoft JhengHei" pitchFamily="34" charset="-120"/>
-                <a:ea typeface="Microsoft JhengHei" pitchFamily="34" charset="-120"/>
-              </a:rPr>
-              <a:t>我信靠</a:t>
-            </a:r>
-            <a:r>
-              <a:rPr lang="zh-TW" altLang="en-US" sz="4800" b="1" dirty="0">
-                <a:latin typeface="Microsoft JhengHei" pitchFamily="34" charset="-120"/>
-                <a:ea typeface="Microsoft JhengHei" pitchFamily="34" charset="-120"/>
-              </a:rPr>
-              <a:t>你</a:t>
-            </a:r>
-            <a:endParaRPr lang="en-US" altLang="zh-TW" sz="4800" b="1" dirty="0">
-              <a:latin typeface="Microsoft JhengHei" pitchFamily="34" charset="-120"/>
-              <a:ea typeface="Microsoft JhengHei" pitchFamily="34" charset="-120"/>
-            </a:endParaRPr>
-          </a:p>
-          <a:p>
-            <a:pPr algn="ctr">
-              <a:buNone/>
-            </a:pPr>
-            <a:r>
-              <a:rPr lang="zh-TW" altLang="en-US" sz="4800" b="1" dirty="0">
-                <a:latin typeface="Microsoft JhengHei" pitchFamily="34" charset="-120"/>
-                <a:ea typeface="Microsoft JhengHei" pitchFamily="34" charset="-120"/>
-              </a:rPr>
-              <a:t>你</a:t>
-            </a:r>
-            <a:r>
-              <a:rPr lang="zh-TW" altLang="en-US" sz="4800" b="1" dirty="0">
-                <a:latin typeface="Microsoft JhengHei" pitchFamily="34" charset="-120"/>
-                <a:ea typeface="Microsoft JhengHei" pitchFamily="34" charset="-120"/>
-              </a:rPr>
-              <a:t>是我救主</a:t>
-            </a:r>
-            <a:r>
-              <a:rPr lang="zh-TW" altLang="en-US" sz="4800" b="1" dirty="0">
-                <a:latin typeface="Microsoft JhengHei" pitchFamily="34" charset="-120"/>
-                <a:ea typeface="Microsoft JhengHei" pitchFamily="34" charset="-120"/>
-              </a:rPr>
-              <a:t>良友</a:t>
-            </a:r>
-            <a:endParaRPr lang="zh-TW" altLang="en-US" sz="4800" b="1" dirty="0">
-              <a:latin typeface="Microsoft JhengHei" pitchFamily="34" charset="-120"/>
-              <a:ea typeface="Microsoft JhengHei" pitchFamily="34" charset="-120"/>
-            </a:endParaRPr>
-          </a:p>
-          <a:p>
-            <a:pPr algn="ctr">
-              <a:buNone/>
-            </a:pPr>
-            <a:r>
-              <a:rPr lang="zh-TW" altLang="en-US" sz="4800" b="1" dirty="0">
-                <a:latin typeface="Microsoft JhengHei" pitchFamily="34" charset="-120"/>
-                <a:ea typeface="Microsoft JhengHei" pitchFamily="34" charset="-120"/>
-              </a:rPr>
-              <a:t>我深信你與我同</a:t>
-            </a:r>
-            <a:r>
-              <a:rPr lang="zh-TW" altLang="en-US" sz="4800" b="1" dirty="0">
-                <a:latin typeface="Microsoft JhengHei" pitchFamily="34" charset="-120"/>
-                <a:ea typeface="Microsoft JhengHei" pitchFamily="34" charset="-120"/>
-              </a:rPr>
-              <a:t>在</a:t>
-            </a:r>
-            <a:endParaRPr lang="en-US" altLang="zh-TW" sz="4800" b="1" dirty="0">
-              <a:latin typeface="Microsoft JhengHei" pitchFamily="34" charset="-120"/>
-              <a:ea typeface="Microsoft JhengHei" pitchFamily="34" charset="-120"/>
-            </a:endParaRPr>
-          </a:p>
-          <a:p>
-            <a:pPr algn="ctr">
-              <a:buNone/>
-            </a:pPr>
-            <a:r>
-              <a:rPr lang="zh-TW" altLang="en-US" sz="4800" b="1" dirty="0">
-                <a:latin typeface="Microsoft JhengHei" pitchFamily="34" charset="-120"/>
-                <a:ea typeface="Microsoft JhengHei" pitchFamily="34" charset="-120"/>
-              </a:rPr>
-              <a:t>從</a:t>
-            </a:r>
-            <a:r>
-              <a:rPr lang="zh-TW" altLang="en-US" sz="4800" b="1" dirty="0">
-                <a:latin typeface="Microsoft JhengHei" pitchFamily="34" charset="-120"/>
-                <a:ea typeface="Microsoft JhengHei" pitchFamily="34" charset="-120"/>
-              </a:rPr>
-              <a:t>今時直到永久</a:t>
-            </a:r>
-          </a:p>
-        </p:txBody>
-      </p:sp>
-      <p:sp>
-        <p:nvSpPr>
-          <p:cNvPr id="6" name="TextBox 5"/>
-          <p:cNvSpPr txBox="1"/>
-          <p:nvPr/>
-        </p:nvSpPr>
-        <p:spPr>
-          <a:xfrm>
-            <a:off x="1219200" y="1276350"/>
-            <a:ext cx="914400" cy="769441"/>
-          </a:xfrm>
-          <a:prstGeom prst="rect">
-            <a:avLst/>
-          </a:prstGeom>
-          <a:noFill/>
-        </p:spPr>
-        <p:txBody>
-          <a:bodyPr wrap="square" rtlCol="0">
-            <a:spAutoFit/>
-          </a:bodyPr>
-          <a:lstStyle/>
-          <a:p>
-            <a:r>
-              <a:rPr lang="en-US" sz="4400" b="1" dirty="0" smtClean="0">
-                <a:latin typeface="Microsoft JhengHei" pitchFamily="34" charset="-120"/>
-                <a:ea typeface="Microsoft JhengHei" pitchFamily="34" charset="-120"/>
-              </a:rPr>
-              <a:t>3.</a:t>
-            </a:r>
-            <a:endParaRPr lang="en-US" sz="4400" b="1" dirty="0">
-              <a:latin typeface="Microsoft JhengHei" pitchFamily="34" charset="-120"/>
-              <a:ea typeface="Microsoft JhengHei" pitchFamily="34" charset="-120"/>
-            </a:endParaRPr>
+              <a:t>願我信心更堅定</a:t>
+            </a:r>
           </a:p>
         </p:txBody>
       </p:sp>
     </p:spTree>
     <p:extLst>
       <p:ext uri="{BB962C8B-B14F-4D97-AF65-F5344CB8AC3E}">
-        <p14:creationId xmlns:p14="http://schemas.microsoft.com/office/powerpoint/2010/main" val="363747435"/>
+        <p14:creationId xmlns:p14="http://schemas.microsoft.com/office/powerpoint/2010/main" val="1921774343"/>
       </p:ext>
     </p:extLst>
   </p:cSld>
   <p:clrMapOvr>
     <a:masterClrMapping/>
   </p:clrMapOvr>
+  <p:timing>
+    <p:tnLst>
+      <p:par>
+        <p:cTn id="1" dur="indefinite" restart="never" nodeType="tmRoot"/>
+      </p:par>
+    </p:tnLst>
+  </p:timing>
 </p:sld>
 </file>
 
@@ -3995,140 +4195,475 @@
       </p:grpSpPr>
       <p:sp>
         <p:nvSpPr>
-          <p:cNvPr id="4" name="標題 3"/>
-          <p:cNvSpPr>
-            <a:spLocks noGrp="1"/>
-          </p:cNvSpPr>
-          <p:nvPr>
-            <p:ph type="title"/>
-          </p:nvPr>
-        </p:nvSpPr>
-        <p:spPr/>
-        <p:txBody>
-          <a:bodyPr>
+          <p:cNvPr id="5" name="內容版面配置區 4"/>
+          <p:cNvSpPr>
+            <a:spLocks noGrp="1"/>
+          </p:cNvSpPr>
+          <p:nvPr>
+            <p:ph idx="1"/>
+          </p:nvPr>
+        </p:nvSpPr>
+        <p:spPr>
+          <a:xfrm>
+            <a:off x="0" y="1563638"/>
+            <a:ext cx="9144000" cy="1803647"/>
+          </a:xfrm>
+        </p:spPr>
+        <p:txBody>
+          <a:bodyPr anchor="ctr">
             <a:normAutofit/>
           </a:bodyPr>
           <a:lstStyle/>
           <a:p>
-            <a:r>
-              <a:rPr lang="zh-TW" altLang="en-US" sz="4000" b="1" dirty="0">
+            <a:pPr algn="ctr">
+              <a:buNone/>
+            </a:pPr>
+            <a:r>
+              <a:rPr lang="zh-TW" altLang="en-US" sz="4800" b="1" dirty="0">
+                <a:solidFill>
+                  <a:srgbClr val="000066"/>
+                </a:solidFill>
                 <a:latin typeface="Microsoft JhengHei" pitchFamily="34" charset="-120"/>
                 <a:ea typeface="Microsoft JhengHei" pitchFamily="34" charset="-120"/>
               </a:rPr>
-              <a:t>信靠耶穌真是甜美</a:t>
-            </a:r>
-          </a:p>
-        </p:txBody>
-      </p:sp>
-      <p:sp>
-        <p:nvSpPr>
-          <p:cNvPr id="5" name="內容版面配置區 4"/>
-          <p:cNvSpPr>
-            <a:spLocks noGrp="1"/>
-          </p:cNvSpPr>
-          <p:nvPr>
-            <p:ph idx="1"/>
-          </p:nvPr>
-        </p:nvSpPr>
-        <p:spPr/>
-        <p:txBody>
-          <a:bodyPr>
-            <a:noAutofit/>
-          </a:bodyPr>
-          <a:lstStyle/>
-          <a:p>
-            <a:pPr lvl="0" algn="ctr">
+              <a:t>信靠耶穌何等甜美</a:t>
+            </a:r>
+            <a:endParaRPr lang="en-US" altLang="zh-TW" sz="4800" b="1" dirty="0">
+              <a:solidFill>
+                <a:srgbClr val="000066"/>
+              </a:solidFill>
+              <a:latin typeface="Microsoft JhengHei" pitchFamily="34" charset="-120"/>
+              <a:ea typeface="Microsoft JhengHei" pitchFamily="34" charset="-120"/>
+            </a:endParaRPr>
+          </a:p>
+          <a:p>
+            <a:pPr algn="ctr">
               <a:buNone/>
             </a:pPr>
             <a:r>
               <a:rPr lang="zh-TW" altLang="en-US" sz="4800" b="1" dirty="0">
+                <a:solidFill>
+                  <a:srgbClr val="000066"/>
+                </a:solidFill>
                 <a:latin typeface="Microsoft JhengHei" pitchFamily="34" charset="-120"/>
                 <a:ea typeface="Microsoft JhengHei" pitchFamily="34" charset="-120"/>
               </a:rPr>
-              <a:t>耶穌 耶穌  何等可靠</a:t>
-            </a:r>
-            <a:endParaRPr lang="en-US" altLang="zh-TW" sz="4800" b="1" dirty="0">
-              <a:latin typeface="Microsoft JhengHei" pitchFamily="34" charset="-120"/>
-              <a:ea typeface="Microsoft JhengHei" pitchFamily="34" charset="-120"/>
+              <a:t>只要信靠主寶血</a:t>
+            </a:r>
+          </a:p>
+        </p:txBody>
+      </p:sp>
+      <p:sp>
+        <p:nvSpPr>
+          <p:cNvPr id="3" name="TextBox 2"/>
+          <p:cNvSpPr txBox="1"/>
+          <p:nvPr/>
+        </p:nvSpPr>
+        <p:spPr>
+          <a:xfrm>
+            <a:off x="683568" y="1707654"/>
+            <a:ext cx="936104" cy="830997"/>
+          </a:xfrm>
+          <a:prstGeom prst="rect">
+            <a:avLst/>
+          </a:prstGeom>
+          <a:noFill/>
+        </p:spPr>
+        <p:txBody>
+          <a:bodyPr wrap="square" rtlCol="0">
+            <a:spAutoFit/>
+          </a:bodyPr>
+          <a:lstStyle/>
+          <a:p>
+            <a:r>
+              <a:rPr lang="en-US" sz="4800" b="1" dirty="0" smtClean="0">
+                <a:solidFill>
+                  <a:srgbClr val="000066"/>
+                </a:solidFill>
+              </a:rPr>
+              <a:t>2.</a:t>
+            </a:r>
+            <a:endParaRPr lang="vi-VN" sz="4800" b="1" dirty="0">
+              <a:solidFill>
+                <a:srgbClr val="000066"/>
+              </a:solidFill>
             </a:endParaRPr>
-          </a:p>
-          <a:p>
-            <a:pPr lvl="0" algn="ctr">
-              <a:buNone/>
-            </a:pPr>
-            <a:r>
-              <a:rPr lang="zh-TW" altLang="en-US" sz="4800" b="1" dirty="0">
-                <a:latin typeface="Microsoft JhengHei" pitchFamily="34" charset="-120"/>
-                <a:ea typeface="Microsoft JhengHei" pitchFamily="34" charset="-120"/>
-              </a:rPr>
-              <a:t>多少</a:t>
-            </a:r>
-            <a:r>
-              <a:rPr lang="zh-TW" altLang="en-US" sz="4800" b="1" dirty="0">
-                <a:latin typeface="Microsoft JhengHei" pitchFamily="34" charset="-120"/>
-                <a:ea typeface="Microsoft JhengHei" pitchFamily="34" charset="-120"/>
-              </a:rPr>
-              <a:t>事上已</a:t>
-            </a:r>
-            <a:r>
-              <a:rPr lang="zh-TW" altLang="en-US" sz="4800" b="1" dirty="0">
-                <a:latin typeface="Microsoft JhengHei" pitchFamily="34" charset="-120"/>
-                <a:ea typeface="Microsoft JhengHei" pitchFamily="34" charset="-120"/>
-              </a:rPr>
-              <a:t>證明</a:t>
-            </a:r>
-            <a:endParaRPr lang="en-US" altLang="zh-TW" sz="4800" b="1" dirty="0">
-              <a:latin typeface="Microsoft JhengHei" pitchFamily="34" charset="-120"/>
-              <a:ea typeface="Microsoft JhengHei" pitchFamily="34" charset="-120"/>
-            </a:endParaRPr>
-          </a:p>
-          <a:p>
-            <a:pPr lvl="0" algn="ctr">
-              <a:buNone/>
-            </a:pPr>
-            <a:r>
-              <a:rPr lang="zh-TW" altLang="en-US" sz="4800" b="1" dirty="0">
-                <a:latin typeface="Microsoft JhengHei" pitchFamily="34" charset="-120"/>
-                <a:ea typeface="Microsoft JhengHei" pitchFamily="34" charset="-120"/>
-              </a:rPr>
-              <a:t>耶穌  耶穌  寶貴耶穌</a:t>
-            </a:r>
-            <a:endParaRPr lang="en-US" altLang="zh-TW" sz="4800" b="1" dirty="0">
-              <a:latin typeface="Microsoft JhengHei" pitchFamily="34" charset="-120"/>
-              <a:ea typeface="Microsoft JhengHei" pitchFamily="34" charset="-120"/>
-            </a:endParaRPr>
-          </a:p>
-          <a:p>
-            <a:pPr lvl="0" algn="ctr">
-              <a:buNone/>
-            </a:pPr>
-            <a:r>
-              <a:rPr lang="zh-TW" altLang="en-US" sz="4800" b="1" dirty="0">
-                <a:latin typeface="Microsoft JhengHei" pitchFamily="34" charset="-120"/>
-                <a:ea typeface="Microsoft JhengHei" pitchFamily="34" charset="-120"/>
-              </a:rPr>
-              <a:t>願</a:t>
-            </a:r>
-            <a:r>
-              <a:rPr lang="zh-TW" altLang="en-US" sz="4800" b="1" dirty="0">
-                <a:latin typeface="Microsoft JhengHei" pitchFamily="34" charset="-120"/>
-                <a:ea typeface="Microsoft JhengHei" pitchFamily="34" charset="-120"/>
-              </a:rPr>
-              <a:t>我信心更堅定</a:t>
-            </a:r>
           </a:p>
         </p:txBody>
       </p:sp>
     </p:spTree>
     <p:extLst>
       <p:ext uri="{BB962C8B-B14F-4D97-AF65-F5344CB8AC3E}">
-        <p14:creationId xmlns:p14="http://schemas.microsoft.com/office/powerpoint/2010/main" val="4007816255"/>
+        <p14:creationId xmlns:p14="http://schemas.microsoft.com/office/powerpoint/2010/main" val="2047322373"/>
       </p:ext>
     </p:extLst>
   </p:cSld>
   <p:clrMapOvr>
     <a:masterClrMapping/>
   </p:clrMapOvr>
+  <p:timing>
+    <p:tnLst>
+      <p:par>
+        <p:cTn id="1" dur="indefinite" restart="never" nodeType="tmRoot"/>
+      </p:par>
+    </p:tnLst>
+  </p:timing>
+</p:sld>
+</file>
+
+<file path=ppt/slides/slide7.xml><?xml version="1.0" encoding="utf-8"?>
+<p:sld xmlns:a="http://schemas.openxmlformats.org/drawingml/2006/main" xmlns:r="http://schemas.openxmlformats.org/officeDocument/2006/relationships" xmlns:p="http://schemas.openxmlformats.org/presentationml/2006/main">
+  <p:cSld>
+    <p:spTree>
+      <p:nvGrpSpPr>
+        <p:cNvPr id="1" name=""/>
+        <p:cNvGrpSpPr/>
+        <p:nvPr/>
+      </p:nvGrpSpPr>
+      <p:grpSpPr>
+        <a:xfrm>
+          <a:off x="0" y="0"/>
+          <a:ext cx="0" cy="0"/>
+          <a:chOff x="0" y="0"/>
+          <a:chExt cx="0" cy="0"/>
+        </a:xfrm>
+      </p:grpSpPr>
+      <p:sp>
+        <p:nvSpPr>
+          <p:cNvPr id="5" name="內容版面配置區 4"/>
+          <p:cNvSpPr>
+            <a:spLocks noGrp="1"/>
+          </p:cNvSpPr>
+          <p:nvPr>
+            <p:ph idx="1"/>
+          </p:nvPr>
+        </p:nvSpPr>
+        <p:spPr>
+          <a:xfrm>
+            <a:off x="0" y="1563638"/>
+            <a:ext cx="9144000" cy="1803647"/>
+          </a:xfrm>
+        </p:spPr>
+        <p:txBody>
+          <a:bodyPr anchor="ctr">
+            <a:normAutofit/>
+          </a:bodyPr>
+          <a:lstStyle/>
+          <a:p>
+            <a:pPr algn="ctr">
+              <a:buNone/>
+            </a:pPr>
+            <a:r>
+              <a:rPr lang="zh-TW" altLang="en-US" sz="4800" b="1" dirty="0">
+                <a:solidFill>
+                  <a:srgbClr val="000066"/>
+                </a:solidFill>
+                <a:latin typeface="Microsoft JhengHei" pitchFamily="34" charset="-120"/>
+                <a:ea typeface="Microsoft JhengHei" pitchFamily="34" charset="-120"/>
+              </a:rPr>
+              <a:t>只要憑著純一信心</a:t>
+            </a:r>
+            <a:endParaRPr lang="en-US" altLang="zh-TW" sz="4800" b="1" dirty="0">
+              <a:solidFill>
+                <a:srgbClr val="000066"/>
+              </a:solidFill>
+              <a:latin typeface="Microsoft JhengHei" pitchFamily="34" charset="-120"/>
+              <a:ea typeface="Microsoft JhengHei" pitchFamily="34" charset="-120"/>
+            </a:endParaRPr>
+          </a:p>
+          <a:p>
+            <a:pPr algn="ctr">
+              <a:buNone/>
+            </a:pPr>
+            <a:r>
+              <a:rPr lang="zh-TW" altLang="en-US" sz="4800" b="1" dirty="0">
+                <a:solidFill>
+                  <a:srgbClr val="000066"/>
+                </a:solidFill>
+                <a:latin typeface="Microsoft JhengHei" pitchFamily="34" charset="-120"/>
+                <a:ea typeface="Microsoft JhengHei" pitchFamily="34" charset="-120"/>
+              </a:rPr>
+              <a:t>能洗罪污白如雪</a:t>
+            </a:r>
+          </a:p>
+        </p:txBody>
+      </p:sp>
+      <p:sp>
+        <p:nvSpPr>
+          <p:cNvPr id="3" name="TextBox 2"/>
+          <p:cNvSpPr txBox="1"/>
+          <p:nvPr/>
+        </p:nvSpPr>
+        <p:spPr>
+          <a:xfrm>
+            <a:off x="683568" y="1707654"/>
+            <a:ext cx="936104" cy="830997"/>
+          </a:xfrm>
+          <a:prstGeom prst="rect">
+            <a:avLst/>
+          </a:prstGeom>
+          <a:noFill/>
+        </p:spPr>
+        <p:txBody>
+          <a:bodyPr wrap="square" rtlCol="0">
+            <a:spAutoFit/>
+          </a:bodyPr>
+          <a:lstStyle/>
+          <a:p>
+            <a:r>
+              <a:rPr lang="en-US" sz="4800" b="1" dirty="0" smtClean="0">
+                <a:solidFill>
+                  <a:srgbClr val="000066"/>
+                </a:solidFill>
+              </a:rPr>
+              <a:t>2.</a:t>
+            </a:r>
+            <a:endParaRPr lang="vi-VN" sz="4800" b="1" dirty="0">
+              <a:solidFill>
+                <a:srgbClr val="000066"/>
+              </a:solidFill>
+            </a:endParaRPr>
+          </a:p>
+        </p:txBody>
+      </p:sp>
+    </p:spTree>
+    <p:extLst>
+      <p:ext uri="{BB962C8B-B14F-4D97-AF65-F5344CB8AC3E}">
+        <p14:creationId xmlns:p14="http://schemas.microsoft.com/office/powerpoint/2010/main" val="54597822"/>
+      </p:ext>
+    </p:extLst>
+  </p:cSld>
+  <p:clrMapOvr>
+    <a:masterClrMapping/>
+  </p:clrMapOvr>
+  <p:timing>
+    <p:tnLst>
+      <p:par>
+        <p:cTn id="1" dur="indefinite" restart="never" nodeType="tmRoot"/>
+      </p:par>
+    </p:tnLst>
+  </p:timing>
+</p:sld>
+</file>
+
+<file path=ppt/slides/slide8.xml><?xml version="1.0" encoding="utf-8"?>
+<p:sld xmlns:a="http://schemas.openxmlformats.org/drawingml/2006/main" xmlns:r="http://schemas.openxmlformats.org/officeDocument/2006/relationships" xmlns:p="http://schemas.openxmlformats.org/presentationml/2006/main">
+  <p:cSld>
+    <p:spTree>
+      <p:nvGrpSpPr>
+        <p:cNvPr id="1" name=""/>
+        <p:cNvGrpSpPr/>
+        <p:nvPr/>
+      </p:nvGrpSpPr>
+      <p:grpSpPr>
+        <a:xfrm>
+          <a:off x="0" y="0"/>
+          <a:ext cx="0" cy="0"/>
+          <a:chOff x="0" y="0"/>
+          <a:chExt cx="0" cy="0"/>
+        </a:xfrm>
+      </p:grpSpPr>
+      <p:sp>
+        <p:nvSpPr>
+          <p:cNvPr id="5" name="內容版面配置區 4"/>
+          <p:cNvSpPr>
+            <a:spLocks noGrp="1"/>
+          </p:cNvSpPr>
+          <p:nvPr>
+            <p:ph idx="1"/>
+          </p:nvPr>
+        </p:nvSpPr>
+        <p:spPr>
+          <a:xfrm>
+            <a:off x="0" y="1563638"/>
+            <a:ext cx="9144000" cy="1803647"/>
+          </a:xfrm>
+        </p:spPr>
+        <p:txBody>
+          <a:bodyPr anchor="ctr">
+            <a:normAutofit/>
+          </a:bodyPr>
+          <a:lstStyle/>
+          <a:p>
+            <a:pPr lvl="0" algn="ctr">
+              <a:buNone/>
+            </a:pPr>
+            <a:r>
+              <a:rPr lang="zh-TW" altLang="en-US" sz="4800" b="1" dirty="0">
+                <a:solidFill>
+                  <a:srgbClr val="000066"/>
+                </a:solidFill>
+                <a:latin typeface="Microsoft JhengHei" pitchFamily="34" charset="-120"/>
+                <a:ea typeface="Microsoft JhengHei" pitchFamily="34" charset="-120"/>
+              </a:rPr>
+              <a:t>耶穌 </a:t>
+            </a:r>
+            <a:r>
+              <a:rPr lang="zh-TW" altLang="en-US" sz="4800" b="1" dirty="0">
+                <a:solidFill>
+                  <a:srgbClr val="000066"/>
+                </a:solidFill>
+                <a:latin typeface="Microsoft JhengHei" pitchFamily="34" charset="-120"/>
+                <a:ea typeface="Microsoft JhengHei" pitchFamily="34" charset="-120"/>
+              </a:rPr>
+              <a:t> 耶</a:t>
+            </a:r>
+            <a:r>
+              <a:rPr lang="zh-TW" altLang="en-US" sz="4800" b="1" dirty="0">
+                <a:solidFill>
+                  <a:srgbClr val="000066"/>
+                </a:solidFill>
+                <a:latin typeface="Microsoft JhengHei" pitchFamily="34" charset="-120"/>
+                <a:ea typeface="Microsoft JhengHei" pitchFamily="34" charset="-120"/>
+              </a:rPr>
+              <a:t>穌  何等可靠</a:t>
+            </a:r>
+            <a:endParaRPr lang="en-US" altLang="zh-TW" sz="4800" b="1" dirty="0">
+              <a:solidFill>
+                <a:srgbClr val="000066"/>
+              </a:solidFill>
+              <a:latin typeface="Microsoft JhengHei" pitchFamily="34" charset="-120"/>
+              <a:ea typeface="Microsoft JhengHei" pitchFamily="34" charset="-120"/>
+            </a:endParaRPr>
+          </a:p>
+          <a:p>
+            <a:pPr lvl="0" algn="ctr">
+              <a:buNone/>
+            </a:pPr>
+            <a:r>
+              <a:rPr lang="zh-TW" altLang="en-US" sz="4800" b="1" dirty="0">
+                <a:solidFill>
+                  <a:srgbClr val="000066"/>
+                </a:solidFill>
+                <a:latin typeface="Microsoft JhengHei" pitchFamily="34" charset="-120"/>
+                <a:ea typeface="Microsoft JhengHei" pitchFamily="34" charset="-120"/>
+              </a:rPr>
+              <a:t>多少事上已證明</a:t>
+            </a:r>
+            <a:endParaRPr lang="en-US" altLang="zh-TW" sz="4800" b="1" dirty="0">
+              <a:solidFill>
+                <a:srgbClr val="000066"/>
+              </a:solidFill>
+              <a:latin typeface="Microsoft JhengHei" pitchFamily="34" charset="-120"/>
+              <a:ea typeface="Microsoft JhengHei" pitchFamily="34" charset="-120"/>
+            </a:endParaRPr>
+          </a:p>
+        </p:txBody>
+      </p:sp>
+    </p:spTree>
+    <p:extLst>
+      <p:ext uri="{BB962C8B-B14F-4D97-AF65-F5344CB8AC3E}">
+        <p14:creationId xmlns:p14="http://schemas.microsoft.com/office/powerpoint/2010/main" val="2936449369"/>
+      </p:ext>
+    </p:extLst>
+  </p:cSld>
+  <p:clrMapOvr>
+    <a:masterClrMapping/>
+  </p:clrMapOvr>
+  <p:timing>
+    <p:tnLst>
+      <p:par>
+        <p:cTn id="1" dur="indefinite" restart="never" nodeType="tmRoot"/>
+      </p:par>
+    </p:tnLst>
+  </p:timing>
+</p:sld>
+</file>
+
+<file path=ppt/slides/slide9.xml><?xml version="1.0" encoding="utf-8"?>
+<p:sld xmlns:a="http://schemas.openxmlformats.org/drawingml/2006/main" xmlns:r="http://schemas.openxmlformats.org/officeDocument/2006/relationships" xmlns:p="http://schemas.openxmlformats.org/presentationml/2006/main">
+  <p:cSld>
+    <p:spTree>
+      <p:nvGrpSpPr>
+        <p:cNvPr id="1" name=""/>
+        <p:cNvGrpSpPr/>
+        <p:nvPr/>
+      </p:nvGrpSpPr>
+      <p:grpSpPr>
+        <a:xfrm>
+          <a:off x="0" y="0"/>
+          <a:ext cx="0" cy="0"/>
+          <a:chOff x="0" y="0"/>
+          <a:chExt cx="0" cy="0"/>
+        </a:xfrm>
+      </p:grpSpPr>
+      <p:sp>
+        <p:nvSpPr>
+          <p:cNvPr id="5" name="內容版面配置區 4"/>
+          <p:cNvSpPr>
+            <a:spLocks noGrp="1"/>
+          </p:cNvSpPr>
+          <p:nvPr>
+            <p:ph idx="1"/>
+          </p:nvPr>
+        </p:nvSpPr>
+        <p:spPr>
+          <a:xfrm>
+            <a:off x="0" y="1563638"/>
+            <a:ext cx="9144000" cy="1803647"/>
+          </a:xfrm>
+        </p:spPr>
+        <p:txBody>
+          <a:bodyPr anchor="ctr">
+            <a:normAutofit/>
+          </a:bodyPr>
+          <a:lstStyle/>
+          <a:p>
+            <a:pPr lvl="0" algn="ctr">
+              <a:buNone/>
+            </a:pPr>
+            <a:r>
+              <a:rPr lang="zh-TW" altLang="en-US" sz="4800" b="1" dirty="0">
+                <a:solidFill>
+                  <a:srgbClr val="000066"/>
+                </a:solidFill>
+                <a:latin typeface="Microsoft JhengHei" pitchFamily="34" charset="-120"/>
+                <a:ea typeface="Microsoft JhengHei" pitchFamily="34" charset="-120"/>
+              </a:rPr>
+              <a:t>耶穌  耶穌  寶貴耶穌</a:t>
+            </a:r>
+            <a:endParaRPr lang="en-US" altLang="zh-TW" sz="4800" b="1" dirty="0">
+              <a:solidFill>
+                <a:srgbClr val="000066"/>
+              </a:solidFill>
+              <a:latin typeface="Microsoft JhengHei" pitchFamily="34" charset="-120"/>
+              <a:ea typeface="Microsoft JhengHei" pitchFamily="34" charset="-120"/>
+            </a:endParaRPr>
+          </a:p>
+          <a:p>
+            <a:pPr lvl="0" algn="ctr">
+              <a:buNone/>
+            </a:pPr>
+            <a:r>
+              <a:rPr lang="zh-TW" altLang="en-US" sz="4800" b="1" dirty="0">
+                <a:solidFill>
+                  <a:srgbClr val="000066"/>
+                </a:solidFill>
+                <a:latin typeface="Microsoft JhengHei" pitchFamily="34" charset="-120"/>
+                <a:ea typeface="Microsoft JhengHei" pitchFamily="34" charset="-120"/>
+              </a:rPr>
+              <a:t>願我信心更堅定</a:t>
+            </a:r>
+          </a:p>
+        </p:txBody>
+      </p:sp>
+    </p:spTree>
+    <p:extLst>
+      <p:ext uri="{BB962C8B-B14F-4D97-AF65-F5344CB8AC3E}">
+        <p14:creationId xmlns:p14="http://schemas.microsoft.com/office/powerpoint/2010/main" val="2837059563"/>
+      </p:ext>
+    </p:extLst>
+  </p:cSld>
+  <p:clrMapOvr>
+    <a:masterClrMapping/>
+  </p:clrMapOvr>
+  <p:timing>
+    <p:tnLst>
+      <p:par>
+        <p:cTn id="1" dur="indefinite" restart="never" nodeType="tmRoot"/>
+      </p:par>
+    </p:tnLst>
+  </p:timing>
 </p:sld>
 </file>
 

--- a/青年聖歌I/(青年聖歌I171)信靠耶穌真是甜美.pptx
+++ b/青年聖歌I/(青年聖歌I171)信靠耶穌真是甜美.pptx
@@ -316,7 +316,7 @@
           <a:p>
             <a:fld id="{482E8B87-87E0-48F1-A0B5-465155A2F05A}" type="datetimeFigureOut">
               <a:rPr lang="en-US" smtClean="0"/>
-              <a:t>2/4/2021</a:t>
+              <a:t>6/24/2022</a:t>
             </a:fld>
             <a:endParaRPr lang="en-US"/>
           </a:p>
@@ -481,7 +481,7 @@
           <a:p>
             <a:fld id="{482E8B87-87E0-48F1-A0B5-465155A2F05A}" type="datetimeFigureOut">
               <a:rPr lang="en-US" smtClean="0"/>
-              <a:t>2/4/2021</a:t>
+              <a:t>6/24/2022</a:t>
             </a:fld>
             <a:endParaRPr lang="en-US"/>
           </a:p>
@@ -656,7 +656,7 @@
           <a:p>
             <a:fld id="{482E8B87-87E0-48F1-A0B5-465155A2F05A}" type="datetimeFigureOut">
               <a:rPr lang="en-US" smtClean="0"/>
-              <a:t>2/4/2021</a:t>
+              <a:t>6/24/2022</a:t>
             </a:fld>
             <a:endParaRPr lang="en-US"/>
           </a:p>
@@ -821,7 +821,7 @@
           <a:p>
             <a:fld id="{482E8B87-87E0-48F1-A0B5-465155A2F05A}" type="datetimeFigureOut">
               <a:rPr lang="en-US" smtClean="0"/>
-              <a:t>2/4/2021</a:t>
+              <a:t>6/24/2022</a:t>
             </a:fld>
             <a:endParaRPr lang="en-US"/>
           </a:p>
@@ -1062,7 +1062,7 @@
           <a:p>
             <a:fld id="{482E8B87-87E0-48F1-A0B5-465155A2F05A}" type="datetimeFigureOut">
               <a:rPr lang="en-US" smtClean="0"/>
-              <a:t>2/4/2021</a:t>
+              <a:t>6/24/2022</a:t>
             </a:fld>
             <a:endParaRPr lang="en-US"/>
           </a:p>
@@ -1345,7 +1345,7 @@
           <a:p>
             <a:fld id="{482E8B87-87E0-48F1-A0B5-465155A2F05A}" type="datetimeFigureOut">
               <a:rPr lang="en-US" smtClean="0"/>
-              <a:t>2/4/2021</a:t>
+              <a:t>6/24/2022</a:t>
             </a:fld>
             <a:endParaRPr lang="en-US"/>
           </a:p>
@@ -1762,7 +1762,7 @@
           <a:p>
             <a:fld id="{482E8B87-87E0-48F1-A0B5-465155A2F05A}" type="datetimeFigureOut">
               <a:rPr lang="en-US" smtClean="0"/>
-              <a:t>2/4/2021</a:t>
+              <a:t>6/24/2022</a:t>
             </a:fld>
             <a:endParaRPr lang="en-US"/>
           </a:p>
@@ -1875,7 +1875,7 @@
           <a:p>
             <a:fld id="{482E8B87-87E0-48F1-A0B5-465155A2F05A}" type="datetimeFigureOut">
               <a:rPr lang="en-US" smtClean="0"/>
-              <a:t>2/4/2021</a:t>
+              <a:t>6/24/2022</a:t>
             </a:fld>
             <a:endParaRPr lang="en-US"/>
           </a:p>
@@ -1965,7 +1965,7 @@
           <a:p>
             <a:fld id="{482E8B87-87E0-48F1-A0B5-465155A2F05A}" type="datetimeFigureOut">
               <a:rPr lang="en-US" smtClean="0"/>
-              <a:t>2/4/2021</a:t>
+              <a:t>6/24/2022</a:t>
             </a:fld>
             <a:endParaRPr lang="en-US"/>
           </a:p>
@@ -2237,7 +2237,7 @@
           <a:p>
             <a:fld id="{482E8B87-87E0-48F1-A0B5-465155A2F05A}" type="datetimeFigureOut">
               <a:rPr lang="en-US" smtClean="0"/>
-              <a:t>2/4/2021</a:t>
+              <a:t>6/24/2022</a:t>
             </a:fld>
             <a:endParaRPr lang="en-US"/>
           </a:p>
@@ -2489,7 +2489,7 @@
           <a:p>
             <a:fld id="{482E8B87-87E0-48F1-A0B5-465155A2F05A}" type="datetimeFigureOut">
               <a:rPr lang="en-US" smtClean="0"/>
-              <a:t>2/4/2021</a:t>
+              <a:t>6/24/2022</a:t>
             </a:fld>
             <a:endParaRPr lang="en-US"/>
           </a:p>
@@ -2702,7 +2702,7 @@
           <a:p>
             <a:fld id="{482E8B87-87E0-48F1-A0B5-465155A2F05A}" type="datetimeFigureOut">
               <a:rPr lang="en-US" smtClean="0"/>
-              <a:t>2/4/2021</a:t>
+              <a:t>6/24/2022</a:t>
             </a:fld>
             <a:endParaRPr lang="en-US"/>
           </a:p>
@@ -3084,7 +3084,7 @@
         </p:nvSpPr>
         <p:spPr>
           <a:xfrm>
-            <a:off x="0" y="2143135"/>
+            <a:off x="0" y="2038350"/>
             <a:ext cx="9144000" cy="857250"/>
           </a:xfrm>
         </p:spPr>
@@ -3243,14 +3243,14 @@
       </p:sp>
       <p:sp>
         <p:nvSpPr>
-          <p:cNvPr id="3" name="TextBox 2"/>
+          <p:cNvPr id="4" name="TextBox 3"/>
           <p:cNvSpPr txBox="1"/>
           <p:nvPr/>
         </p:nvSpPr>
         <p:spPr>
           <a:xfrm>
-            <a:off x="683568" y="1707654"/>
-            <a:ext cx="936104" cy="830997"/>
+            <a:off x="0" y="3790950"/>
+            <a:ext cx="9144000" cy="646331"/>
           </a:xfrm>
           <a:prstGeom prst="rect">
             <a:avLst/>
@@ -3263,15 +3263,16 @@
           </a:bodyPr>
           <a:lstStyle/>
           <a:p>
-            <a:r>
-              <a:rPr lang="en-US" sz="4800" b="1" dirty="0" smtClean="0">
+            <a:pPr algn="ctr"/>
+            <a:r>
+              <a:rPr lang="en-US" sz="3600" b="1" dirty="0" smtClean="0">
                 <a:solidFill>
                   <a:srgbClr val="000066"/>
                 </a:solidFill>
               </a:rPr>
-              <a:t>3.</a:t>
-            </a:r>
-            <a:endParaRPr lang="vi-VN" sz="4800" b="1" dirty="0">
+              <a:t>( 3 / 3 )</a:t>
+            </a:r>
+            <a:endParaRPr lang="vi-VN" sz="3600" b="1" dirty="0">
               <a:solidFill>
                 <a:srgbClr val="000066"/>
               </a:solidFill>
@@ -3398,14 +3399,14 @@
       </p:sp>
       <p:sp>
         <p:nvSpPr>
-          <p:cNvPr id="3" name="TextBox 2"/>
+          <p:cNvPr id="4" name="TextBox 3"/>
           <p:cNvSpPr txBox="1"/>
           <p:nvPr/>
         </p:nvSpPr>
         <p:spPr>
           <a:xfrm>
-            <a:off x="683568" y="1707654"/>
-            <a:ext cx="936104" cy="830997"/>
+            <a:off x="0" y="3790950"/>
+            <a:ext cx="9144000" cy="646331"/>
           </a:xfrm>
           <a:prstGeom prst="rect">
             <a:avLst/>
@@ -3418,15 +3419,16 @@
           </a:bodyPr>
           <a:lstStyle/>
           <a:p>
-            <a:r>
-              <a:rPr lang="en-US" sz="4800" b="1" dirty="0" smtClean="0">
+            <a:pPr algn="ctr"/>
+            <a:r>
+              <a:rPr lang="en-US" sz="3600" b="1" dirty="0" smtClean="0">
                 <a:solidFill>
                   <a:srgbClr val="000066"/>
                 </a:solidFill>
               </a:rPr>
-              <a:t>3.</a:t>
-            </a:r>
-            <a:endParaRPr lang="vi-VN" sz="4800" b="1" dirty="0">
+              <a:t>( 3 / 3 )</a:t>
+            </a:r>
+            <a:endParaRPr lang="vi-VN" sz="3600" b="1" dirty="0">
               <a:solidFill>
                 <a:srgbClr val="000066"/>
               </a:solidFill>
@@ -3504,27 +3506,7 @@
                 <a:latin typeface="Microsoft JhengHei" pitchFamily="34" charset="-120"/>
                 <a:ea typeface="Microsoft JhengHei" pitchFamily="34" charset="-120"/>
               </a:rPr>
-              <a:t>耶穌 </a:t>
-            </a:r>
-            <a:r>
-              <a:rPr lang="zh-TW" altLang="en-US" sz="4800" b="1" dirty="0">
-                <a:solidFill>
-                  <a:srgbClr val="000066"/>
-                </a:solidFill>
-                <a:latin typeface="Microsoft JhengHei" pitchFamily="34" charset="-120"/>
-                <a:ea typeface="Microsoft JhengHei" pitchFamily="34" charset="-120"/>
-              </a:rPr>
-              <a:t> 耶</a:t>
-            </a:r>
-            <a:r>
-              <a:rPr lang="zh-TW" altLang="en-US" sz="4800" b="1" dirty="0">
-                <a:solidFill>
-                  <a:srgbClr val="000066"/>
-                </a:solidFill>
-                <a:latin typeface="Microsoft JhengHei" pitchFamily="34" charset="-120"/>
-                <a:ea typeface="Microsoft JhengHei" pitchFamily="34" charset="-120"/>
-              </a:rPr>
-              <a:t>穌  何等可靠</a:t>
+              <a:t>耶穌  耶穌  何等可靠</a:t>
             </a:r>
             <a:endParaRPr lang="en-US" altLang="zh-TW" sz="4800" b="1" dirty="0">
               <a:solidFill>
@@ -3770,8 +3752,8 @@
         </p:nvSpPr>
         <p:spPr>
           <a:xfrm>
-            <a:off x="683568" y="1707654"/>
-            <a:ext cx="936104" cy="830997"/>
+            <a:off x="0" y="3790950"/>
+            <a:ext cx="9144000" cy="646331"/>
           </a:xfrm>
           <a:prstGeom prst="rect">
             <a:avLst/>
@@ -3784,15 +3766,16 @@
           </a:bodyPr>
           <a:lstStyle/>
           <a:p>
-            <a:r>
-              <a:rPr lang="en-US" sz="4800" b="1" dirty="0" smtClean="0">
+            <a:pPr algn="ctr"/>
+            <a:r>
+              <a:rPr lang="en-US" sz="3600" b="1" dirty="0" smtClean="0">
                 <a:solidFill>
                   <a:srgbClr val="000066"/>
                 </a:solidFill>
               </a:rPr>
-              <a:t>1.</a:t>
-            </a:r>
-            <a:endParaRPr lang="vi-VN" sz="4800" b="1" dirty="0">
+              <a:t>( 1 / 3 )</a:t>
+            </a:r>
+            <a:endParaRPr lang="vi-VN" sz="3600" b="1" dirty="0">
               <a:solidFill>
                 <a:srgbClr val="000066"/>
               </a:solidFill>
@@ -3899,14 +3882,14 @@
       </p:sp>
       <p:sp>
         <p:nvSpPr>
-          <p:cNvPr id="3" name="TextBox 2"/>
+          <p:cNvPr id="6" name="TextBox 5"/>
           <p:cNvSpPr txBox="1"/>
           <p:nvPr/>
         </p:nvSpPr>
         <p:spPr>
           <a:xfrm>
-            <a:off x="683568" y="1707654"/>
-            <a:ext cx="936104" cy="830997"/>
+            <a:off x="0" y="3790950"/>
+            <a:ext cx="9144000" cy="646331"/>
           </a:xfrm>
           <a:prstGeom prst="rect">
             <a:avLst/>
@@ -3919,15 +3902,16 @@
           </a:bodyPr>
           <a:lstStyle/>
           <a:p>
-            <a:r>
-              <a:rPr lang="en-US" sz="4800" b="1" dirty="0" smtClean="0">
+            <a:pPr algn="ctr"/>
+            <a:r>
+              <a:rPr lang="en-US" sz="3600" b="1" dirty="0" smtClean="0">
                 <a:solidFill>
                   <a:srgbClr val="000066"/>
                 </a:solidFill>
               </a:rPr>
-              <a:t>1.</a:t>
-            </a:r>
-            <a:endParaRPr lang="vi-VN" sz="4800" b="1" dirty="0">
+              <a:t>( 1 / 3 )</a:t>
+            </a:r>
+            <a:endParaRPr lang="vi-VN" sz="3600" b="1" dirty="0">
               <a:solidFill>
                 <a:srgbClr val="000066"/>
               </a:solidFill>
@@ -4005,27 +3989,7 @@
                 <a:latin typeface="Microsoft JhengHei" pitchFamily="34" charset="-120"/>
                 <a:ea typeface="Microsoft JhengHei" pitchFamily="34" charset="-120"/>
               </a:rPr>
-              <a:t>耶穌 </a:t>
-            </a:r>
-            <a:r>
-              <a:rPr lang="zh-TW" altLang="en-US" sz="4800" b="1" dirty="0">
-                <a:solidFill>
-                  <a:srgbClr val="000066"/>
-                </a:solidFill>
-                <a:latin typeface="Microsoft JhengHei" pitchFamily="34" charset="-120"/>
-                <a:ea typeface="Microsoft JhengHei" pitchFamily="34" charset="-120"/>
-              </a:rPr>
-              <a:t> 耶</a:t>
-            </a:r>
-            <a:r>
-              <a:rPr lang="zh-TW" altLang="en-US" sz="4800" b="1" dirty="0">
-                <a:solidFill>
-                  <a:srgbClr val="000066"/>
-                </a:solidFill>
-                <a:latin typeface="Microsoft JhengHei" pitchFamily="34" charset="-120"/>
-                <a:ea typeface="Microsoft JhengHei" pitchFamily="34" charset="-120"/>
-              </a:rPr>
-              <a:t>穌  何等可靠</a:t>
+              <a:t>耶穌  耶穌  何等可靠</a:t>
             </a:r>
             <a:endParaRPr lang="en-US" altLang="zh-TW" sz="4800" b="1" dirty="0">
               <a:solidFill>
@@ -4255,14 +4219,14 @@
       </p:sp>
       <p:sp>
         <p:nvSpPr>
-          <p:cNvPr id="3" name="TextBox 2"/>
+          <p:cNvPr id="4" name="TextBox 3"/>
           <p:cNvSpPr txBox="1"/>
           <p:nvPr/>
         </p:nvSpPr>
         <p:spPr>
           <a:xfrm>
-            <a:off x="683568" y="1707654"/>
-            <a:ext cx="936104" cy="830997"/>
+            <a:off x="0" y="3790950"/>
+            <a:ext cx="9144000" cy="646331"/>
           </a:xfrm>
           <a:prstGeom prst="rect">
             <a:avLst/>
@@ -4275,15 +4239,16 @@
           </a:bodyPr>
           <a:lstStyle/>
           <a:p>
-            <a:r>
-              <a:rPr lang="en-US" sz="4800" b="1" dirty="0" smtClean="0">
+            <a:pPr algn="ctr"/>
+            <a:r>
+              <a:rPr lang="en-US" sz="3600" b="1" dirty="0" smtClean="0">
                 <a:solidFill>
                   <a:srgbClr val="000066"/>
                 </a:solidFill>
               </a:rPr>
-              <a:t>2.</a:t>
-            </a:r>
-            <a:endParaRPr lang="vi-VN" sz="4800" b="1" dirty="0">
+              <a:t>( 2 / 3 )</a:t>
+            </a:r>
+            <a:endParaRPr lang="vi-VN" sz="3600" b="1" dirty="0">
               <a:solidFill>
                 <a:srgbClr val="000066"/>
               </a:solidFill>
@@ -4390,14 +4355,14 @@
       </p:sp>
       <p:sp>
         <p:nvSpPr>
-          <p:cNvPr id="3" name="TextBox 2"/>
+          <p:cNvPr id="4" name="TextBox 3"/>
           <p:cNvSpPr txBox="1"/>
           <p:nvPr/>
         </p:nvSpPr>
         <p:spPr>
           <a:xfrm>
-            <a:off x="683568" y="1707654"/>
-            <a:ext cx="936104" cy="830997"/>
+            <a:off x="0" y="3790950"/>
+            <a:ext cx="9144000" cy="646331"/>
           </a:xfrm>
           <a:prstGeom prst="rect">
             <a:avLst/>
@@ -4410,15 +4375,16 @@
           </a:bodyPr>
           <a:lstStyle/>
           <a:p>
-            <a:r>
-              <a:rPr lang="en-US" sz="4800" b="1" dirty="0" smtClean="0">
+            <a:pPr algn="ctr"/>
+            <a:r>
+              <a:rPr lang="en-US" sz="3600" b="1" dirty="0" smtClean="0">
                 <a:solidFill>
                   <a:srgbClr val="000066"/>
                 </a:solidFill>
               </a:rPr>
-              <a:t>2.</a:t>
-            </a:r>
-            <a:endParaRPr lang="vi-VN" sz="4800" b="1" dirty="0">
+              <a:t>( 2 / 3 )</a:t>
+            </a:r>
+            <a:endParaRPr lang="vi-VN" sz="3600" b="1" dirty="0">
               <a:solidFill>
                 <a:srgbClr val="000066"/>
               </a:solidFill>
@@ -4496,27 +4462,7 @@
                 <a:latin typeface="Microsoft JhengHei" pitchFamily="34" charset="-120"/>
                 <a:ea typeface="Microsoft JhengHei" pitchFamily="34" charset="-120"/>
               </a:rPr>
-              <a:t>耶穌 </a:t>
-            </a:r>
-            <a:r>
-              <a:rPr lang="zh-TW" altLang="en-US" sz="4800" b="1" dirty="0">
-                <a:solidFill>
-                  <a:srgbClr val="000066"/>
-                </a:solidFill>
-                <a:latin typeface="Microsoft JhengHei" pitchFamily="34" charset="-120"/>
-                <a:ea typeface="Microsoft JhengHei" pitchFamily="34" charset="-120"/>
-              </a:rPr>
-              <a:t> 耶</a:t>
-            </a:r>
-            <a:r>
-              <a:rPr lang="zh-TW" altLang="en-US" sz="4800" b="1" dirty="0">
-                <a:solidFill>
-                  <a:srgbClr val="000066"/>
-                </a:solidFill>
-                <a:latin typeface="Microsoft JhengHei" pitchFamily="34" charset="-120"/>
-                <a:ea typeface="Microsoft JhengHei" pitchFamily="34" charset="-120"/>
-              </a:rPr>
-              <a:t>穌  何等可靠</a:t>
+              <a:t>耶穌  耶穌  何等可靠</a:t>
             </a:r>
             <a:endParaRPr lang="en-US" altLang="zh-TW" sz="4800" b="1" dirty="0">
               <a:solidFill>
